--- a/PythonPredavanje/Python.pptx
+++ b/PythonPredavanje/Python.pptx
@@ -9,6 +9,10 @@
     <p:sldId id="257" r:id="rId3"/>
     <p:sldId id="258" r:id="rId4"/>
     <p:sldId id="259" r:id="rId5"/>
+    <p:sldId id="260" r:id="rId6"/>
+    <p:sldId id="261" r:id="rId7"/>
+    <p:sldId id="262" r:id="rId8"/>
+    <p:sldId id="263" r:id="rId9"/>
   </p:sldIdLst>
   <p:sldSz cx="12192000" cy="6858000"/>
   <p:notesSz cx="6858000" cy="9144000"/>
@@ -107,6 +111,11 @@
       </a:defRPr>
     </a:lvl9pPr>
   </p:defaultTextStyle>
+  <p:extLst>
+    <p:ext uri="{EFAFB233-063F-42B5-8137-9DF3F51BA10A}">
+      <p15:sldGuideLst xmlns:p15="http://schemas.microsoft.com/office/powerpoint/2012/main"/>
+    </p:ext>
+  </p:extLst>
 </p:presentation>
 </file>
 
@@ -5466,9 +5475,35 @@
           </a:p>
           <a:p>
             <a:r>
-              <a:rPr lang="en-US" dirty="0"/>
-              <a:t>https://www.jetbrains.com/pycharm/download/</a:t>
-            </a:r>
+              <a:rPr lang="en-US" dirty="0">
+                <a:hlinkClick r:id="rId3"/>
+              </a:rPr>
+              <a:t>https://www.jetbrains.com/pycharm/download</a:t>
+            </a:r>
+            <a:r>
+              <a:rPr lang="en-US" dirty="0" smtClean="0">
+                <a:hlinkClick r:id="rId3"/>
+              </a:rPr>
+              <a:t>/</a:t>
+            </a:r>
+            <a:endParaRPr lang="en-US" dirty="0" smtClean="0"/>
+          </a:p>
+          <a:p>
+            <a:endParaRPr lang="en-US" dirty="0"/>
+          </a:p>
+          <a:p>
+            <a:r>
+              <a:rPr lang="en-US" dirty="0" err="1" smtClean="0"/>
+              <a:t>Knjiga</a:t>
+            </a:r>
+            <a:endParaRPr lang="en-US" dirty="0" smtClean="0"/>
+          </a:p>
+          <a:p>
+            <a:r>
+              <a:rPr lang="en-US"/>
+              <a:t>https://github.com/ehmatthes/pcc</a:t>
+            </a:r>
+            <a:endParaRPr lang="en-US" dirty="0"/>
           </a:p>
         </p:txBody>
       </p:sp>
@@ -5537,13 +5572,22 @@
           <a:lstStyle/>
           <a:p>
             <a:r>
+              <a:rPr lang="en-US" dirty="0" smtClean="0"/>
+              <a:t>Open </a:t>
+            </a:r>
+            <a:r>
               <a:rPr lang="en-US" dirty="0"/>
-              <a:t>• Open source general-purpose language</a:t>
+              <a:t>source general-purpose </a:t>
+            </a:r>
+            <a:r>
+              <a:rPr lang="en-US" dirty="0" err="1" smtClean="0"/>
+              <a:t>jezik</a:t>
             </a:r>
             <a:r>
               <a:rPr lang="en-US" dirty="0" smtClean="0"/>
               <a:t>.</a:t>
             </a:r>
+            <a:endParaRPr lang="en-US" dirty="0" smtClean="0"/>
           </a:p>
           <a:p>
             <a:r>
@@ -5557,16 +5601,36 @@
           </a:p>
           <a:p>
             <a:r>
+              <a:rPr lang="en-US" dirty="0" smtClean="0"/>
+              <a:t>“</a:t>
+            </a:r>
+            <a:r>
+              <a:rPr lang="en-US" dirty="0" err="1" smtClean="0"/>
+              <a:t>Jednostavno</a:t>
+            </a:r>
+            <a:r>
+              <a:rPr lang="en-US" dirty="0" smtClean="0"/>
+              <a:t>” </a:t>
+            </a:r>
+            <a:r>
+              <a:rPr lang="en-US" dirty="0" err="1" smtClean="0"/>
+              <a:t>povezivanje</a:t>
+            </a:r>
+            <a:r>
+              <a:rPr lang="en-US" dirty="0" smtClean="0"/>
+              <a:t> </a:t>
+            </a:r>
+            <a:r>
+              <a:rPr lang="en-US" dirty="0" err="1" smtClean="0"/>
+              <a:t>sa</a:t>
+            </a:r>
+            <a:r>
+              <a:rPr lang="en-US" dirty="0" smtClean="0"/>
+              <a:t> C</a:t>
+            </a:r>
+            <a:r>
               <a:rPr lang="en-US" dirty="0"/>
-              <a:t>Easy-</a:t>
-            </a:r>
-            <a:r>
-              <a:rPr lang="en-US" dirty="0" err="1"/>
-              <a:t>ish</a:t>
-            </a:r>
-            <a:r>
-              <a:rPr lang="en-US" dirty="0"/>
-              <a:t> to interface with C++ (via SWIG) </a:t>
+              <a:t>++ (via SWIG) </a:t>
             </a:r>
             <a:endParaRPr lang="en-US" dirty="0" smtClean="0"/>
           </a:p>
@@ -5659,6 +5723,2501 @@
     <p:extLst>
       <p:ext uri="{BB962C8B-B14F-4D97-AF65-F5344CB8AC3E}">
         <p14:creationId xmlns:p14="http://schemas.microsoft.com/office/powerpoint/2010/main" val="3076032903"/>
+      </p:ext>
+    </p:extLst>
+  </p:cSld>
+  <p:clrMapOvr>
+    <a:masterClrMapping/>
+  </p:clrMapOvr>
+</p:sld>
+</file>
+
+<file path=ppt/slides/slide5.xml><?xml version="1.0" encoding="utf-8"?>
+<p:sld xmlns:a="http://schemas.openxmlformats.org/drawingml/2006/main" xmlns:r="http://schemas.openxmlformats.org/officeDocument/2006/relationships" xmlns:p="http://schemas.openxmlformats.org/presentationml/2006/main">
+  <p:cSld>
+    <p:spTree>
+      <p:nvGrpSpPr>
+        <p:cNvPr id="1" name=""/>
+        <p:cNvGrpSpPr/>
+        <p:nvPr/>
+      </p:nvGrpSpPr>
+      <p:grpSpPr>
+        <a:xfrm>
+          <a:off x="0" y="0"/>
+          <a:ext cx="0" cy="0"/>
+          <a:chOff x="0" y="0"/>
+          <a:chExt cx="0" cy="0"/>
+        </a:xfrm>
+      </p:grpSpPr>
+      <p:sp>
+        <p:nvSpPr>
+          <p:cNvPr id="2" name="Title 1"/>
+          <p:cNvSpPr>
+            <a:spLocks noGrp="1"/>
+          </p:cNvSpPr>
+          <p:nvPr>
+            <p:ph type="title"/>
+          </p:nvPr>
+        </p:nvSpPr>
+        <p:spPr/>
+        <p:txBody>
+          <a:bodyPr/>
+          <a:lstStyle/>
+          <a:p>
+            <a:r>
+              <a:rPr lang="en-US" dirty="0" smtClean="0"/>
+              <a:t>Hello world</a:t>
+            </a:r>
+            <a:endParaRPr lang="en-US" dirty="0"/>
+          </a:p>
+        </p:txBody>
+      </p:sp>
+      <p:graphicFrame>
+        <p:nvGraphicFramePr>
+          <p:cNvPr id="4" name="Content Placeholder 3"/>
+          <p:cNvGraphicFramePr>
+            <a:graphicFrameLocks noGrp="1"/>
+          </p:cNvGraphicFramePr>
+          <p:nvPr>
+            <p:ph idx="1"/>
+            <p:extLst>
+              <p:ext uri="{D42A27DB-BD31-4B8C-83A1-F6EECF244321}">
+                <p14:modId xmlns:p14="http://schemas.microsoft.com/office/powerpoint/2010/main" val="60653672"/>
+              </p:ext>
+            </p:extLst>
+          </p:nvPr>
+        </p:nvGraphicFramePr>
+        <p:xfrm>
+          <a:off x="684211" y="685800"/>
+          <a:ext cx="10491788" cy="1752600"/>
+        </p:xfrm>
+        <a:graphic>
+          <a:graphicData uri="http://schemas.openxmlformats.org/drawingml/2006/table">
+            <a:tbl>
+              <a:tblPr firstRow="1" bandRow="1">
+                <a:tableStyleId>{5C22544A-7EE6-4342-B048-85BDC9FD1C3A}</a:tableStyleId>
+              </a:tblPr>
+              <a:tblGrid>
+                <a:gridCol w="6135689">
+                  <a:extLst>
+                    <a:ext uri="{9D8B030D-6E8A-4147-A177-3AD203B41FA5}">
+                      <a16:colId xmlns:a16="http://schemas.microsoft.com/office/drawing/2014/main" val="1207765824"/>
+                    </a:ext>
+                  </a:extLst>
+                </a:gridCol>
+                <a:gridCol w="4356099">
+                  <a:extLst>
+                    <a:ext uri="{9D8B030D-6E8A-4147-A177-3AD203B41FA5}">
+                      <a16:colId xmlns:a16="http://schemas.microsoft.com/office/drawing/2014/main" val="429901136"/>
+                    </a:ext>
+                  </a:extLst>
+                </a:gridCol>
+              </a:tblGrid>
+              <a:tr h="370840">
+                <a:tc>
+                  <a:txBody>
+                    <a:bodyPr/>
+                    <a:lstStyle/>
+                    <a:p>
+                      <a:pPr algn="ctr"/>
+                      <a:endParaRPr lang="en-US" dirty="0"/>
+                    </a:p>
+                  </a:txBody>
+                  <a:tcPr/>
+                </a:tc>
+                <a:tc>
+                  <a:txBody>
+                    <a:bodyPr/>
+                    <a:lstStyle/>
+                    <a:p>
+                      <a:pPr algn="ctr"/>
+                      <a:endParaRPr lang="en-US"/>
+                    </a:p>
+                  </a:txBody>
+                  <a:tcPr/>
+                </a:tc>
+                <a:extLst>
+                  <a:ext uri="{0D108BD9-81ED-4DB2-BD59-A6C34878D82A}">
+                    <a16:rowId xmlns:a16="http://schemas.microsoft.com/office/drawing/2014/main" val="4043571089"/>
+                  </a:ext>
+                </a:extLst>
+              </a:tr>
+              <a:tr h="370840">
+                <a:tc>
+                  <a:txBody>
+                    <a:bodyPr/>
+                    <a:lstStyle/>
+                    <a:p>
+                      <a:pPr algn="l"/>
+                      <a:r>
+                        <a:rPr lang="en-US" sz="1800" b="0" i="0" u="none" strike="noStrike" kern="1200" baseline="0" dirty="0" smtClean="0">
+                          <a:solidFill>
+                            <a:schemeClr val="dk1"/>
+                          </a:solidFill>
+                          <a:latin typeface="+mn-lt"/>
+                          <a:ea typeface="+mn-ea"/>
+                          <a:cs typeface="+mn-cs"/>
+                        </a:rPr>
+                        <a:t>print("Hello world!") 	</a:t>
+                      </a:r>
+                    </a:p>
+                  </a:txBody>
+                  <a:tcPr/>
+                </a:tc>
+                <a:tc>
+                  <a:txBody>
+                    <a:bodyPr/>
+                    <a:lstStyle/>
+                    <a:p>
+                      <a:pPr algn="ctr"/>
+                      <a:r>
+                        <a:rPr lang="en-US" dirty="0" err="1" smtClean="0"/>
+                        <a:t>Ispis</a:t>
+                      </a:r>
+                      <a:r>
+                        <a:rPr lang="en-US" dirty="0" smtClean="0"/>
+                        <a:t> </a:t>
+                      </a:r>
+                      <a:r>
+                        <a:rPr lang="en-US" dirty="0" err="1" smtClean="0"/>
+                        <a:t>sa</a:t>
+                      </a:r>
+                      <a:r>
+                        <a:rPr lang="en-US" dirty="0" smtClean="0"/>
+                        <a:t> </a:t>
+                      </a:r>
+                      <a:r>
+                        <a:rPr lang="en-US" dirty="0" err="1" smtClean="0"/>
+                        <a:t>prelaskom</a:t>
+                      </a:r>
+                      <a:r>
+                        <a:rPr lang="en-US" dirty="0" smtClean="0"/>
+                        <a:t> u </a:t>
+                      </a:r>
+                      <a:r>
+                        <a:rPr lang="en-US" dirty="0" err="1" smtClean="0"/>
+                        <a:t>novi</a:t>
+                      </a:r>
+                      <a:r>
+                        <a:rPr lang="en-US" dirty="0" smtClean="0"/>
+                        <a:t> red</a:t>
+                      </a:r>
+                      <a:endParaRPr lang="en-US" dirty="0"/>
+                    </a:p>
+                  </a:txBody>
+                  <a:tcPr/>
+                </a:tc>
+                <a:extLst>
+                  <a:ext uri="{0D108BD9-81ED-4DB2-BD59-A6C34878D82A}">
+                    <a16:rowId xmlns:a16="http://schemas.microsoft.com/office/drawing/2014/main" val="1835592528"/>
+                  </a:ext>
+                </a:extLst>
+              </a:tr>
+              <a:tr h="370840">
+                <a:tc>
+                  <a:txBody>
+                    <a:bodyPr/>
+                    <a:lstStyle/>
+                    <a:p>
+                      <a:pPr algn="l"/>
+                      <a:r>
+                        <a:rPr lang="en-US" sz="1800" kern="1200" dirty="0" smtClean="0">
+                          <a:solidFill>
+                            <a:schemeClr val="dk1"/>
+                          </a:solidFill>
+                          <a:effectLst/>
+                          <a:latin typeface="+mn-lt"/>
+                          <a:ea typeface="+mn-ea"/>
+                          <a:cs typeface="+mn-cs"/>
+                        </a:rPr>
+                        <a:t>print</a:t>
+                      </a:r>
+                      <a:r>
+                        <a:rPr lang="en-US" dirty="0" smtClean="0"/>
+                        <a:t>(</a:t>
+                      </a:r>
+                      <a:r>
+                        <a:rPr lang="en-US" sz="1800" kern="1200" dirty="0" smtClean="0">
+                          <a:solidFill>
+                            <a:schemeClr val="dk1"/>
+                          </a:solidFill>
+                          <a:effectLst/>
+                          <a:latin typeface="+mn-lt"/>
+                          <a:ea typeface="+mn-ea"/>
+                          <a:cs typeface="+mn-cs"/>
+                        </a:rPr>
+                        <a:t>"Hello</a:t>
+                      </a:r>
+                      <a:r>
+                        <a:rPr lang="en-US" sz="1800" b="0" i="0" u="none" strike="noStrike" kern="1200" baseline="0" dirty="0" smtClean="0">
+                          <a:solidFill>
+                            <a:schemeClr val="dk1"/>
+                          </a:solidFill>
+                          <a:latin typeface="+mn-lt"/>
+                          <a:ea typeface="+mn-ea"/>
+                          <a:cs typeface="+mn-cs"/>
+                        </a:rPr>
+                        <a:t> world!</a:t>
+                      </a:r>
+                      <a:r>
+                        <a:rPr lang="en-US" sz="1800" kern="1200" dirty="0" smtClean="0">
+                          <a:solidFill>
+                            <a:schemeClr val="dk1"/>
+                          </a:solidFill>
+                          <a:effectLst/>
+                          <a:latin typeface="+mn-lt"/>
+                          <a:ea typeface="+mn-ea"/>
+                          <a:cs typeface="+mn-cs"/>
+                        </a:rPr>
+                        <a:t>", end</a:t>
+                      </a:r>
+                      <a:r>
+                        <a:rPr lang="en-US" dirty="0" smtClean="0"/>
+                        <a:t>=</a:t>
+                      </a:r>
+                      <a:r>
+                        <a:rPr lang="en-US" sz="1800" kern="1200" dirty="0" smtClean="0">
+                          <a:solidFill>
+                            <a:schemeClr val="dk1"/>
+                          </a:solidFill>
+                          <a:effectLst/>
+                          <a:latin typeface="+mn-lt"/>
+                          <a:ea typeface="+mn-ea"/>
+                          <a:cs typeface="+mn-cs"/>
+                        </a:rPr>
+                        <a:t>""</a:t>
+                      </a:r>
+                      <a:r>
+                        <a:rPr lang="en-US" dirty="0" smtClean="0"/>
+                        <a:t>)</a:t>
+                      </a:r>
+                      <a:endParaRPr lang="en-US" dirty="0"/>
+                    </a:p>
+                  </a:txBody>
+                  <a:tcPr/>
+                </a:tc>
+                <a:tc>
+                  <a:txBody>
+                    <a:bodyPr/>
+                    <a:lstStyle/>
+                    <a:p>
+                      <a:pPr algn="ctr"/>
+                      <a:r>
+                        <a:rPr lang="en-US" dirty="0" err="1" smtClean="0"/>
+                        <a:t>Ispis</a:t>
+                      </a:r>
+                      <a:r>
+                        <a:rPr lang="en-US" dirty="0" smtClean="0"/>
+                        <a:t> bez </a:t>
+                      </a:r>
+                      <a:r>
+                        <a:rPr lang="en-US" dirty="0" err="1" smtClean="0"/>
+                        <a:t>prelaska</a:t>
+                      </a:r>
+                      <a:r>
+                        <a:rPr lang="en-US" dirty="0" smtClean="0"/>
+                        <a:t> u </a:t>
+                      </a:r>
+                      <a:r>
+                        <a:rPr lang="en-US" dirty="0" err="1" smtClean="0"/>
+                        <a:t>novi</a:t>
+                      </a:r>
+                      <a:r>
+                        <a:rPr lang="en-US" baseline="0" dirty="0" smtClean="0"/>
+                        <a:t> red</a:t>
+                      </a:r>
+                      <a:endParaRPr lang="en-US" dirty="0"/>
+                    </a:p>
+                  </a:txBody>
+                  <a:tcPr/>
+                </a:tc>
+                <a:extLst>
+                  <a:ext uri="{0D108BD9-81ED-4DB2-BD59-A6C34878D82A}">
+                    <a16:rowId xmlns:a16="http://schemas.microsoft.com/office/drawing/2014/main" val="246417487"/>
+                  </a:ext>
+                </a:extLst>
+              </a:tr>
+              <a:tr h="370840">
+                <a:tc>
+                  <a:txBody>
+                    <a:bodyPr/>
+                    <a:lstStyle/>
+                    <a:p>
+                      <a:pPr algn="l"/>
+                      <a:r>
+                        <a:rPr lang="en-US" sz="1800" kern="1200" dirty="0" smtClean="0">
+                          <a:solidFill>
+                            <a:schemeClr val="dk1"/>
+                          </a:solidFill>
+                          <a:effectLst/>
+                          <a:latin typeface="+mn-lt"/>
+                          <a:ea typeface="+mn-ea"/>
+                          <a:cs typeface="+mn-cs"/>
+                        </a:rPr>
+                        <a:t>print</a:t>
+                      </a:r>
+                      <a:r>
+                        <a:rPr lang="en-US" dirty="0" smtClean="0"/>
+                        <a:t>(</a:t>
+                      </a:r>
+                      <a:r>
+                        <a:rPr lang="en-US" sz="1800" kern="1200" dirty="0" smtClean="0">
+                          <a:solidFill>
+                            <a:schemeClr val="dk1"/>
+                          </a:solidFill>
+                          <a:effectLst/>
+                          <a:latin typeface="+mn-lt"/>
+                          <a:ea typeface="+mn-ea"/>
+                          <a:cs typeface="+mn-cs"/>
+                        </a:rPr>
+                        <a:t>"There are &lt;", 2</a:t>
+                      </a:r>
+                      <a:r>
+                        <a:rPr lang="en-US" dirty="0" smtClean="0"/>
+                        <a:t>**</a:t>
+                      </a:r>
+                      <a:r>
+                        <a:rPr lang="en-US" sz="1800" kern="1200" dirty="0" smtClean="0">
+                          <a:solidFill>
+                            <a:schemeClr val="dk1"/>
+                          </a:solidFill>
+                          <a:effectLst/>
+                          <a:latin typeface="+mn-lt"/>
+                          <a:ea typeface="+mn-ea"/>
+                          <a:cs typeface="+mn-cs"/>
+                        </a:rPr>
+                        <a:t>32, "&gt; possibilities!", </a:t>
+                      </a:r>
+                      <a:r>
+                        <a:rPr lang="en-US" sz="1800" kern="1200" dirty="0" err="1" smtClean="0">
+                          <a:solidFill>
+                            <a:schemeClr val="dk1"/>
+                          </a:solidFill>
+                          <a:effectLst/>
+                          <a:latin typeface="+mn-lt"/>
+                          <a:ea typeface="+mn-ea"/>
+                          <a:cs typeface="+mn-cs"/>
+                        </a:rPr>
+                        <a:t>sep</a:t>
+                      </a:r>
+                      <a:r>
+                        <a:rPr lang="en-US" dirty="0" smtClean="0"/>
+                        <a:t>=</a:t>
+                      </a:r>
+                      <a:r>
+                        <a:rPr lang="en-US" sz="1800" kern="1200" dirty="0" smtClean="0">
+                          <a:solidFill>
+                            <a:schemeClr val="dk1"/>
+                          </a:solidFill>
+                          <a:effectLst/>
+                          <a:latin typeface="+mn-lt"/>
+                          <a:ea typeface="+mn-ea"/>
+                          <a:cs typeface="+mn-cs"/>
+                        </a:rPr>
+                        <a:t>"---***---", end</a:t>
+                      </a:r>
+                      <a:r>
+                        <a:rPr lang="en-US" dirty="0" smtClean="0"/>
+                        <a:t>=</a:t>
+                      </a:r>
+                      <a:r>
+                        <a:rPr lang="en-US" sz="1800" kern="1200" dirty="0" smtClean="0">
+                          <a:solidFill>
+                            <a:schemeClr val="dk1"/>
+                          </a:solidFill>
+                          <a:effectLst/>
+                          <a:latin typeface="+mn-lt"/>
+                          <a:ea typeface="+mn-ea"/>
+                          <a:cs typeface="+mn-cs"/>
+                        </a:rPr>
+                        <a:t>"**-//\n"</a:t>
+                      </a:r>
+                      <a:r>
+                        <a:rPr lang="en-US" dirty="0" smtClean="0"/>
+                        <a:t>)</a:t>
+                      </a:r>
+                      <a:endParaRPr lang="en-US" dirty="0"/>
+                    </a:p>
+                  </a:txBody>
+                  <a:tcPr/>
+                </a:tc>
+                <a:tc>
+                  <a:txBody>
+                    <a:bodyPr/>
+                    <a:lstStyle/>
+                    <a:p>
+                      <a:pPr algn="ctr"/>
+                      <a:r>
+                        <a:rPr lang="en-US" dirty="0" err="1" smtClean="0"/>
+                        <a:t>Ispis</a:t>
+                      </a:r>
+                      <a:r>
+                        <a:rPr lang="en-US" dirty="0" smtClean="0"/>
+                        <a:t> </a:t>
+                      </a:r>
+                      <a:r>
+                        <a:rPr lang="en-US" dirty="0" err="1" smtClean="0"/>
+                        <a:t>sa</a:t>
+                      </a:r>
+                      <a:r>
+                        <a:rPr lang="en-US" dirty="0" smtClean="0"/>
+                        <a:t> </a:t>
+                      </a:r>
+                      <a:r>
+                        <a:rPr lang="en-US" dirty="0" err="1" smtClean="0"/>
+                        <a:t>separatorom</a:t>
+                      </a:r>
+                      <a:r>
+                        <a:rPr lang="en-US" dirty="0" smtClean="0"/>
+                        <a:t> </a:t>
+                      </a:r>
+                      <a:r>
+                        <a:rPr lang="en-US" dirty="0" err="1" smtClean="0"/>
+                        <a:t>i</a:t>
+                      </a:r>
+                      <a:r>
+                        <a:rPr lang="en-US" dirty="0" smtClean="0"/>
+                        <a:t> </a:t>
+                      </a:r>
+                      <a:r>
+                        <a:rPr lang="en-US" dirty="0" err="1" smtClean="0"/>
+                        <a:t>zavrsetkom</a:t>
+                      </a:r>
+                      <a:endParaRPr lang="en-US" dirty="0"/>
+                    </a:p>
+                  </a:txBody>
+                  <a:tcPr/>
+                </a:tc>
+                <a:extLst>
+                  <a:ext uri="{0D108BD9-81ED-4DB2-BD59-A6C34878D82A}">
+                    <a16:rowId xmlns:a16="http://schemas.microsoft.com/office/drawing/2014/main" val="2030418642"/>
+                  </a:ext>
+                </a:extLst>
+              </a:tr>
+            </a:tbl>
+          </a:graphicData>
+        </a:graphic>
+      </p:graphicFrame>
+    </p:spTree>
+    <p:extLst>
+      <p:ext uri="{BB962C8B-B14F-4D97-AF65-F5344CB8AC3E}">
+        <p14:creationId xmlns:p14="http://schemas.microsoft.com/office/powerpoint/2010/main" val="2410303441"/>
+      </p:ext>
+    </p:extLst>
+  </p:cSld>
+  <p:clrMapOvr>
+    <a:masterClrMapping/>
+  </p:clrMapOvr>
+</p:sld>
+</file>
+
+<file path=ppt/slides/slide6.xml><?xml version="1.0" encoding="utf-8"?>
+<p:sld xmlns:a="http://schemas.openxmlformats.org/drawingml/2006/main" xmlns:r="http://schemas.openxmlformats.org/officeDocument/2006/relationships" xmlns:p="http://schemas.openxmlformats.org/presentationml/2006/main">
+  <p:cSld>
+    <p:spTree>
+      <p:nvGrpSpPr>
+        <p:cNvPr id="1" name=""/>
+        <p:cNvGrpSpPr/>
+        <p:nvPr/>
+      </p:nvGrpSpPr>
+      <p:grpSpPr>
+        <a:xfrm>
+          <a:off x="0" y="0"/>
+          <a:ext cx="0" cy="0"/>
+          <a:chOff x="0" y="0"/>
+          <a:chExt cx="0" cy="0"/>
+        </a:xfrm>
+      </p:grpSpPr>
+      <p:sp>
+        <p:nvSpPr>
+          <p:cNvPr id="2" name="Title 1"/>
+          <p:cNvSpPr>
+            <a:spLocks noGrp="1"/>
+          </p:cNvSpPr>
+          <p:nvPr>
+            <p:ph type="title"/>
+          </p:nvPr>
+        </p:nvSpPr>
+        <p:spPr/>
+        <p:txBody>
+          <a:bodyPr/>
+          <a:lstStyle/>
+          <a:p>
+            <a:r>
+              <a:rPr lang="en-US" dirty="0" smtClean="0"/>
+              <a:t>For </a:t>
+            </a:r>
+            <a:r>
+              <a:rPr lang="en-US" dirty="0" err="1" smtClean="0"/>
+              <a:t>petlja</a:t>
+            </a:r>
+            <a:endParaRPr lang="en-US" dirty="0"/>
+          </a:p>
+        </p:txBody>
+      </p:sp>
+      <p:sp>
+        <p:nvSpPr>
+          <p:cNvPr id="5" name="Content Placeholder 2"/>
+          <p:cNvSpPr txBox="1">
+            <a:spLocks/>
+          </p:cNvSpPr>
+          <p:nvPr/>
+        </p:nvSpPr>
+        <p:spPr>
+          <a:xfrm>
+            <a:off x="7632700" y="872065"/>
+            <a:ext cx="3860800" cy="3615267"/>
+          </a:xfrm>
+          <a:prstGeom prst="rect">
+            <a:avLst/>
+          </a:prstGeom>
+        </p:spPr>
+        <p:txBody>
+          <a:bodyPr vert="horz" lIns="91440" tIns="45720" rIns="91440" bIns="45720" rtlCol="0" anchor="ctr">
+            <a:normAutofit/>
+          </a:bodyPr>
+          <a:lstStyle>
+            <a:lvl1pPr marL="285750" indent="-285750" algn="l" defTabSz="457200" rtl="0" eaLnBrk="1" latinLnBrk="0" hangingPunct="1">
+              <a:spcBef>
+                <a:spcPct val="20000"/>
+              </a:spcBef>
+              <a:spcAft>
+                <a:spcPts val="600"/>
+              </a:spcAft>
+              <a:buClr>
+                <a:schemeClr val="tx1"/>
+              </a:buClr>
+              <a:buSzPct val="80000"/>
+              <a:buFont typeface="Wingdings 3" panose="05040102010807070707" pitchFamily="18" charset="2"/>
+              <a:buChar char=""/>
+              <a:defRPr sz="2000" kern="1200" cap="none">
+                <a:solidFill>
+                  <a:schemeClr val="bg2">
+                    <a:lumMod val="75000"/>
+                  </a:schemeClr>
+                </a:solidFill>
+                <a:effectLst/>
+                <a:latin typeface="+mn-lt"/>
+                <a:ea typeface="+mn-ea"/>
+                <a:cs typeface="+mn-cs"/>
+              </a:defRPr>
+            </a:lvl1pPr>
+            <a:lvl2pPr marL="742950" indent="-285750" algn="l" defTabSz="457200" rtl="0" eaLnBrk="1" latinLnBrk="0" hangingPunct="1">
+              <a:spcBef>
+                <a:spcPct val="20000"/>
+              </a:spcBef>
+              <a:spcAft>
+                <a:spcPts val="600"/>
+              </a:spcAft>
+              <a:buClr>
+                <a:schemeClr val="tx1"/>
+              </a:buClr>
+              <a:buSzPct val="80000"/>
+              <a:buFont typeface="Wingdings 3" panose="05040102010807070707" pitchFamily="18" charset="2"/>
+              <a:buChar char=""/>
+              <a:defRPr sz="1800" kern="1200" cap="none">
+                <a:solidFill>
+                  <a:schemeClr val="bg2">
+                    <a:lumMod val="75000"/>
+                  </a:schemeClr>
+                </a:solidFill>
+                <a:effectLst/>
+                <a:latin typeface="+mn-lt"/>
+                <a:ea typeface="+mn-ea"/>
+                <a:cs typeface="+mn-cs"/>
+              </a:defRPr>
+            </a:lvl2pPr>
+            <a:lvl3pPr marL="1200150" indent="-285750" algn="l" defTabSz="457200" rtl="0" eaLnBrk="1" latinLnBrk="0" hangingPunct="1">
+              <a:spcBef>
+                <a:spcPct val="20000"/>
+              </a:spcBef>
+              <a:spcAft>
+                <a:spcPts val="600"/>
+              </a:spcAft>
+              <a:buClr>
+                <a:schemeClr val="tx1"/>
+              </a:buClr>
+              <a:buSzPct val="80000"/>
+              <a:buFont typeface="Wingdings 3" panose="05040102010807070707" pitchFamily="18" charset="2"/>
+              <a:buChar char=""/>
+              <a:defRPr sz="1600" kern="1200" cap="none">
+                <a:solidFill>
+                  <a:schemeClr val="bg2">
+                    <a:lumMod val="75000"/>
+                  </a:schemeClr>
+                </a:solidFill>
+                <a:effectLst/>
+                <a:latin typeface="+mn-lt"/>
+                <a:ea typeface="+mn-ea"/>
+                <a:cs typeface="+mn-cs"/>
+              </a:defRPr>
+            </a:lvl3pPr>
+            <a:lvl4pPr marL="1543050" indent="-171450" algn="l" defTabSz="457200" rtl="0" eaLnBrk="1" latinLnBrk="0" hangingPunct="1">
+              <a:spcBef>
+                <a:spcPct val="20000"/>
+              </a:spcBef>
+              <a:spcAft>
+                <a:spcPts val="600"/>
+              </a:spcAft>
+              <a:buClr>
+                <a:schemeClr val="tx1"/>
+              </a:buClr>
+              <a:buSzPct val="80000"/>
+              <a:buFont typeface="Wingdings 3" panose="05040102010807070707" pitchFamily="18" charset="2"/>
+              <a:buChar char=""/>
+              <a:defRPr sz="1400" kern="1200" cap="none">
+                <a:solidFill>
+                  <a:schemeClr val="bg2">
+                    <a:lumMod val="75000"/>
+                  </a:schemeClr>
+                </a:solidFill>
+                <a:effectLst/>
+                <a:latin typeface="+mn-lt"/>
+                <a:ea typeface="+mn-ea"/>
+                <a:cs typeface="+mn-cs"/>
+              </a:defRPr>
+            </a:lvl4pPr>
+            <a:lvl5pPr marL="2000250" indent="-171450" algn="l" defTabSz="457200" rtl="0" eaLnBrk="1" latinLnBrk="0" hangingPunct="1">
+              <a:spcBef>
+                <a:spcPct val="20000"/>
+              </a:spcBef>
+              <a:spcAft>
+                <a:spcPts val="600"/>
+              </a:spcAft>
+              <a:buClr>
+                <a:schemeClr val="tx1"/>
+              </a:buClr>
+              <a:buSzPct val="80000"/>
+              <a:buFont typeface="Wingdings 3" panose="05040102010807070707" pitchFamily="18" charset="2"/>
+              <a:buChar char=""/>
+              <a:defRPr sz="1400" kern="1200" cap="none">
+                <a:solidFill>
+                  <a:schemeClr val="bg2">
+                    <a:lumMod val="75000"/>
+                  </a:schemeClr>
+                </a:solidFill>
+                <a:effectLst/>
+                <a:latin typeface="+mn-lt"/>
+                <a:ea typeface="+mn-ea"/>
+                <a:cs typeface="+mn-cs"/>
+              </a:defRPr>
+            </a:lvl5pPr>
+            <a:lvl6pPr marL="2514600" indent="-228600" algn="l" defTabSz="457200" rtl="0" eaLnBrk="1" latinLnBrk="0" hangingPunct="1">
+              <a:spcBef>
+                <a:spcPct val="20000"/>
+              </a:spcBef>
+              <a:spcAft>
+                <a:spcPts val="600"/>
+              </a:spcAft>
+              <a:buClr>
+                <a:schemeClr val="tx1"/>
+              </a:buClr>
+              <a:buSzPct val="80000"/>
+              <a:buFont typeface="Wingdings 3" panose="05040102010807070707" pitchFamily="18" charset="2"/>
+              <a:buChar char=""/>
+              <a:defRPr sz="1400" kern="1200" cap="none">
+                <a:solidFill>
+                  <a:schemeClr val="bg2">
+                    <a:lumMod val="75000"/>
+                  </a:schemeClr>
+                </a:solidFill>
+                <a:effectLst/>
+                <a:latin typeface="+mn-lt"/>
+                <a:ea typeface="+mn-ea"/>
+                <a:cs typeface="+mn-cs"/>
+              </a:defRPr>
+            </a:lvl6pPr>
+            <a:lvl7pPr marL="2971800" indent="-228600" algn="l" defTabSz="457200" rtl="0" eaLnBrk="1" latinLnBrk="0" hangingPunct="1">
+              <a:spcBef>
+                <a:spcPct val="20000"/>
+              </a:spcBef>
+              <a:spcAft>
+                <a:spcPts val="600"/>
+              </a:spcAft>
+              <a:buClr>
+                <a:schemeClr val="tx1"/>
+              </a:buClr>
+              <a:buSzPct val="80000"/>
+              <a:buFont typeface="Wingdings 3" panose="05040102010807070707" pitchFamily="18" charset="2"/>
+              <a:buChar char=""/>
+              <a:defRPr sz="1400" kern="1200" cap="none">
+                <a:solidFill>
+                  <a:schemeClr val="bg2">
+                    <a:lumMod val="75000"/>
+                  </a:schemeClr>
+                </a:solidFill>
+                <a:effectLst/>
+                <a:latin typeface="+mn-lt"/>
+                <a:ea typeface="+mn-ea"/>
+                <a:cs typeface="+mn-cs"/>
+              </a:defRPr>
+            </a:lvl7pPr>
+            <a:lvl8pPr marL="3429000" indent="-228600" algn="l" defTabSz="457200" rtl="0" eaLnBrk="1" latinLnBrk="0" hangingPunct="1">
+              <a:spcBef>
+                <a:spcPct val="20000"/>
+              </a:spcBef>
+              <a:spcAft>
+                <a:spcPts val="600"/>
+              </a:spcAft>
+              <a:buClr>
+                <a:schemeClr val="tx1"/>
+              </a:buClr>
+              <a:buSzPct val="80000"/>
+              <a:buFont typeface="Wingdings 3" panose="05040102010807070707" pitchFamily="18" charset="2"/>
+              <a:buChar char=""/>
+              <a:defRPr sz="1400" kern="1200" cap="none">
+                <a:solidFill>
+                  <a:schemeClr val="bg2">
+                    <a:lumMod val="75000"/>
+                  </a:schemeClr>
+                </a:solidFill>
+                <a:effectLst/>
+                <a:latin typeface="+mn-lt"/>
+                <a:ea typeface="+mn-ea"/>
+                <a:cs typeface="+mn-cs"/>
+              </a:defRPr>
+            </a:lvl8pPr>
+            <a:lvl9pPr marL="3886200" indent="-228600" algn="l" defTabSz="457200" rtl="0" eaLnBrk="1" latinLnBrk="0" hangingPunct="1">
+              <a:spcBef>
+                <a:spcPct val="20000"/>
+              </a:spcBef>
+              <a:spcAft>
+                <a:spcPts val="600"/>
+              </a:spcAft>
+              <a:buClr>
+                <a:schemeClr val="tx1"/>
+              </a:buClr>
+              <a:buSzPct val="80000"/>
+              <a:buFont typeface="Wingdings 3" panose="05040102010807070707" pitchFamily="18" charset="2"/>
+              <a:buChar char=""/>
+              <a:defRPr sz="1400" kern="1200" cap="none">
+                <a:solidFill>
+                  <a:schemeClr val="bg2">
+                    <a:lumMod val="75000"/>
+                  </a:schemeClr>
+                </a:solidFill>
+                <a:effectLst/>
+                <a:latin typeface="+mn-lt"/>
+                <a:ea typeface="+mn-ea"/>
+                <a:cs typeface="+mn-cs"/>
+              </a:defRPr>
+            </a:lvl9pPr>
+          </a:lstStyle>
+          <a:p>
+            <a:endParaRPr lang="en-US" dirty="0"/>
+          </a:p>
+        </p:txBody>
+      </p:sp>
+      <p:sp>
+        <p:nvSpPr>
+          <p:cNvPr id="6" name="TextBox 5"/>
+          <p:cNvSpPr txBox="1"/>
+          <p:nvPr/>
+        </p:nvSpPr>
+        <p:spPr>
+          <a:xfrm>
+            <a:off x="1671911" y="1613052"/>
+            <a:ext cx="1353256" cy="369332"/>
+          </a:xfrm>
+          <a:prstGeom prst="rect">
+            <a:avLst/>
+          </a:prstGeom>
+          <a:noFill/>
+        </p:spPr>
+        <p:txBody>
+          <a:bodyPr wrap="none" rtlCol="0">
+            <a:spAutoFit/>
+          </a:bodyPr>
+          <a:lstStyle/>
+          <a:p>
+            <a:r>
+              <a:rPr lang="en-US" dirty="0" smtClean="0"/>
+              <a:t>Python 3.X</a:t>
+            </a:r>
+            <a:endParaRPr lang="en-US" dirty="0"/>
+          </a:p>
+        </p:txBody>
+      </p:sp>
+      <p:sp>
+        <p:nvSpPr>
+          <p:cNvPr id="7" name="TextBox 6"/>
+          <p:cNvSpPr txBox="1"/>
+          <p:nvPr/>
+        </p:nvSpPr>
+        <p:spPr>
+          <a:xfrm>
+            <a:off x="9194249" y="1613052"/>
+            <a:ext cx="737702" cy="369332"/>
+          </a:xfrm>
+          <a:prstGeom prst="rect">
+            <a:avLst/>
+          </a:prstGeom>
+          <a:noFill/>
+        </p:spPr>
+        <p:txBody>
+          <a:bodyPr wrap="none" rtlCol="0">
+            <a:spAutoFit/>
+          </a:bodyPr>
+          <a:lstStyle/>
+          <a:p>
+            <a:r>
+              <a:rPr lang="en-US" dirty="0" smtClean="0"/>
+              <a:t>Java</a:t>
+            </a:r>
+            <a:endParaRPr lang="en-US" dirty="0"/>
+          </a:p>
+        </p:txBody>
+      </p:sp>
+      <p:sp>
+        <p:nvSpPr>
+          <p:cNvPr id="8" name="Rectangle 2"/>
+          <p:cNvSpPr>
+            <a:spLocks noChangeArrowheads="1"/>
+          </p:cNvSpPr>
+          <p:nvPr/>
+        </p:nvSpPr>
+        <p:spPr bwMode="auto">
+          <a:xfrm>
+            <a:off x="943768" y="2469584"/>
+            <a:ext cx="3184479" cy="707886"/>
+          </a:xfrm>
+          <a:prstGeom prst="rect">
+            <a:avLst/>
+          </a:prstGeom>
+          <a:solidFill>
+            <a:srgbClr val="2B2B2B"/>
+          </a:solidFill>
+          <a:ln>
+            <a:noFill/>
+          </a:ln>
+          <a:effectLst/>
+          <a:extLst>
+            <a:ext uri="{91240B29-F687-4F45-9708-019B960494DF}">
+              <a14:hiddenLine xmlns:a14="http://schemas.microsoft.com/office/drawing/2010/main" w="9525">
+                <a:solidFill>
+                  <a:schemeClr val="tx1"/>
+                </a:solidFill>
+                <a:miter lim="800000"/>
+                <a:headEnd/>
+                <a:tailEnd/>
+              </a14:hiddenLine>
+            </a:ext>
+            <a:ext uri="{AF507438-7753-43E0-B8FC-AC1667EBCBE1}">
+              <a14:hiddenEffects xmlns:a14="http://schemas.microsoft.com/office/drawing/2010/main">
+                <a:effectLst>
+                  <a:outerShdw dist="35921" dir="2700000" algn="ctr" rotWithShape="0">
+                    <a:schemeClr val="bg2"/>
+                  </a:outerShdw>
+                </a:effectLst>
+              </a14:hiddenEffects>
+            </a:ext>
+          </a:extLst>
+        </p:spPr>
+        <p:txBody>
+          <a:bodyPr vert="horz" wrap="square" lIns="91440" tIns="45720" rIns="91440" bIns="45720" numCol="1" anchor="ctr" anchorCtr="0" compatLnSpc="1">
+            <a:prstTxWarp prst="textNoShape">
+              <a:avLst/>
+            </a:prstTxWarp>
+            <a:spAutoFit/>
+          </a:bodyPr>
+          <a:lstStyle/>
+          <a:p>
+            <a:pPr marL="0" marR="0" lvl="0" indent="0" algn="l" defTabSz="914400" rtl="0" eaLnBrk="0" fontAlgn="base" latinLnBrk="0" hangingPunct="0">
+              <a:lnSpc>
+                <a:spcPct val="100000"/>
+              </a:lnSpc>
+              <a:spcBef>
+                <a:spcPct val="0"/>
+              </a:spcBef>
+              <a:spcAft>
+                <a:spcPct val="0"/>
+              </a:spcAft>
+              <a:buClrTx/>
+              <a:buSzTx/>
+              <a:buFontTx/>
+              <a:buNone/>
+              <a:tabLst/>
+            </a:pPr>
+            <a:r>
+              <a:rPr kumimoji="0" lang="en-US" altLang="en-US" sz="2000" b="0" i="0" u="none" strike="noStrike" cap="none" normalizeH="0" baseline="0" dirty="0" smtClean="0">
+                <a:ln>
+                  <a:noFill/>
+                </a:ln>
+                <a:solidFill>
+                  <a:srgbClr val="CC7832"/>
+                </a:solidFill>
+                <a:effectLst/>
+                <a:latin typeface="Courier New" panose="02070309020205020404" pitchFamily="49" charset="0"/>
+                <a:cs typeface="Courier New" panose="02070309020205020404" pitchFamily="49" charset="0"/>
+              </a:rPr>
+              <a:t>for </a:t>
+            </a:r>
+            <a:r>
+              <a:rPr kumimoji="0" lang="en-US" altLang="en-US" sz="2000" b="0" i="0" u="none" strike="noStrike" cap="none" normalizeH="0" baseline="0" dirty="0" err="1" smtClean="0">
+                <a:ln>
+                  <a:noFill/>
+                </a:ln>
+                <a:solidFill>
+                  <a:srgbClr val="A9B7C6"/>
+                </a:solidFill>
+                <a:effectLst/>
+                <a:latin typeface="Courier New" panose="02070309020205020404" pitchFamily="49" charset="0"/>
+                <a:cs typeface="Courier New" panose="02070309020205020404" pitchFamily="49" charset="0"/>
+              </a:rPr>
+              <a:t>i</a:t>
+            </a:r>
+            <a:r>
+              <a:rPr kumimoji="0" lang="en-US" altLang="en-US" sz="2000" b="0" i="0" u="none" strike="noStrike" cap="none" normalizeH="0" baseline="0" dirty="0" smtClean="0">
+                <a:ln>
+                  <a:noFill/>
+                </a:ln>
+                <a:solidFill>
+                  <a:srgbClr val="A9B7C6"/>
+                </a:solidFill>
+                <a:effectLst/>
+                <a:latin typeface="Courier New" panose="02070309020205020404" pitchFamily="49" charset="0"/>
+                <a:cs typeface="Courier New" panose="02070309020205020404" pitchFamily="49" charset="0"/>
+              </a:rPr>
+              <a:t> </a:t>
+            </a:r>
+            <a:r>
+              <a:rPr kumimoji="0" lang="en-US" altLang="en-US" sz="2000" b="0" i="0" u="none" strike="noStrike" cap="none" normalizeH="0" baseline="0" dirty="0" smtClean="0">
+                <a:ln>
+                  <a:noFill/>
+                </a:ln>
+                <a:solidFill>
+                  <a:srgbClr val="CC7832"/>
+                </a:solidFill>
+                <a:effectLst/>
+                <a:latin typeface="Courier New" panose="02070309020205020404" pitchFamily="49" charset="0"/>
+                <a:cs typeface="Courier New" panose="02070309020205020404" pitchFamily="49" charset="0"/>
+              </a:rPr>
+              <a:t>in </a:t>
+            </a:r>
+            <a:r>
+              <a:rPr kumimoji="0" lang="en-US" altLang="en-US" sz="2000" b="0" i="0" u="none" strike="noStrike" cap="none" normalizeH="0" baseline="0" dirty="0" smtClean="0">
+                <a:ln>
+                  <a:noFill/>
+                </a:ln>
+                <a:solidFill>
+                  <a:srgbClr val="8888C6"/>
+                </a:solidFill>
+                <a:effectLst/>
+                <a:latin typeface="Courier New" panose="02070309020205020404" pitchFamily="49" charset="0"/>
+                <a:cs typeface="Courier New" panose="02070309020205020404" pitchFamily="49" charset="0"/>
+              </a:rPr>
+              <a:t>range</a:t>
+            </a:r>
+            <a:r>
+              <a:rPr kumimoji="0" lang="en-US" altLang="en-US" sz="2000" b="0" i="0" u="none" strike="noStrike" cap="none" normalizeH="0" baseline="0" dirty="0" smtClean="0">
+                <a:ln>
+                  <a:noFill/>
+                </a:ln>
+                <a:solidFill>
+                  <a:srgbClr val="A9B7C6"/>
+                </a:solidFill>
+                <a:effectLst/>
+                <a:latin typeface="Courier New" panose="02070309020205020404" pitchFamily="49" charset="0"/>
+                <a:cs typeface="Courier New" panose="02070309020205020404" pitchFamily="49" charset="0"/>
+              </a:rPr>
+              <a:t>(</a:t>
+            </a:r>
+            <a:r>
+              <a:rPr kumimoji="0" lang="en-US" altLang="en-US" sz="2000" b="0" i="0" u="none" strike="noStrike" cap="none" normalizeH="0" baseline="0" dirty="0" smtClean="0">
+                <a:ln>
+                  <a:noFill/>
+                </a:ln>
+                <a:solidFill>
+                  <a:srgbClr val="6897BB"/>
+                </a:solidFill>
+                <a:effectLst/>
+                <a:latin typeface="Courier New" panose="02070309020205020404" pitchFamily="49" charset="0"/>
+                <a:cs typeface="Courier New" panose="02070309020205020404" pitchFamily="49" charset="0"/>
+              </a:rPr>
+              <a:t>4</a:t>
+            </a:r>
+            <a:r>
+              <a:rPr kumimoji="0" lang="en-US" altLang="en-US" sz="2000" b="0" i="0" u="none" strike="noStrike" cap="none" normalizeH="0" baseline="0" dirty="0" smtClean="0">
+                <a:ln>
+                  <a:noFill/>
+                </a:ln>
+                <a:solidFill>
+                  <a:srgbClr val="A9B7C6"/>
+                </a:solidFill>
+                <a:effectLst/>
+                <a:latin typeface="Courier New" panose="02070309020205020404" pitchFamily="49" charset="0"/>
+                <a:cs typeface="Courier New" panose="02070309020205020404" pitchFamily="49" charset="0"/>
+              </a:rPr>
+              <a:t>):</a:t>
+            </a:r>
+            <a:br>
+              <a:rPr kumimoji="0" lang="en-US" altLang="en-US" sz="2000" b="0" i="0" u="none" strike="noStrike" cap="none" normalizeH="0" baseline="0" dirty="0" smtClean="0">
+                <a:ln>
+                  <a:noFill/>
+                </a:ln>
+                <a:solidFill>
+                  <a:srgbClr val="A9B7C6"/>
+                </a:solidFill>
+                <a:effectLst/>
+                <a:latin typeface="Courier New" panose="02070309020205020404" pitchFamily="49" charset="0"/>
+                <a:cs typeface="Courier New" panose="02070309020205020404" pitchFamily="49" charset="0"/>
+              </a:rPr>
+            </a:br>
+            <a:r>
+              <a:rPr kumimoji="0" lang="en-US" altLang="en-US" sz="2000" b="0" i="0" u="none" strike="noStrike" cap="none" normalizeH="0" baseline="0" dirty="0" smtClean="0">
+                <a:ln>
+                  <a:noFill/>
+                </a:ln>
+                <a:solidFill>
+                  <a:srgbClr val="A9B7C6"/>
+                </a:solidFill>
+                <a:effectLst/>
+                <a:latin typeface="Courier New" panose="02070309020205020404" pitchFamily="49" charset="0"/>
+                <a:cs typeface="Courier New" panose="02070309020205020404" pitchFamily="49" charset="0"/>
+              </a:rPr>
+              <a:t>    </a:t>
+            </a:r>
+            <a:r>
+              <a:rPr kumimoji="0" lang="en-US" altLang="en-US" sz="2000" b="0" i="0" u="none" strike="noStrike" cap="none" normalizeH="0" baseline="0" dirty="0" smtClean="0">
+                <a:ln>
+                  <a:noFill/>
+                </a:ln>
+                <a:solidFill>
+                  <a:srgbClr val="8888C6"/>
+                </a:solidFill>
+                <a:effectLst/>
+                <a:latin typeface="Courier New" panose="02070309020205020404" pitchFamily="49" charset="0"/>
+                <a:cs typeface="Courier New" panose="02070309020205020404" pitchFamily="49" charset="0"/>
+              </a:rPr>
+              <a:t>print</a:t>
+            </a:r>
+            <a:r>
+              <a:rPr kumimoji="0" lang="en-US" altLang="en-US" sz="2000" b="0" i="0" u="none" strike="noStrike" cap="none" normalizeH="0" baseline="0" dirty="0" smtClean="0">
+                <a:ln>
+                  <a:noFill/>
+                </a:ln>
+                <a:solidFill>
+                  <a:srgbClr val="A9B7C6"/>
+                </a:solidFill>
+                <a:effectLst/>
+                <a:latin typeface="Courier New" panose="02070309020205020404" pitchFamily="49" charset="0"/>
+                <a:cs typeface="Courier New" panose="02070309020205020404" pitchFamily="49" charset="0"/>
+              </a:rPr>
+              <a:t>(</a:t>
+            </a:r>
+            <a:r>
+              <a:rPr kumimoji="0" lang="en-US" altLang="en-US" sz="2000" b="0" i="0" u="none" strike="noStrike" cap="none" normalizeH="0" baseline="0" dirty="0" err="1" smtClean="0">
+                <a:ln>
+                  <a:noFill/>
+                </a:ln>
+                <a:solidFill>
+                  <a:srgbClr val="A9B7C6"/>
+                </a:solidFill>
+                <a:effectLst/>
+                <a:latin typeface="Courier New" panose="02070309020205020404" pitchFamily="49" charset="0"/>
+                <a:cs typeface="Courier New" panose="02070309020205020404" pitchFamily="49" charset="0"/>
+              </a:rPr>
+              <a:t>i</a:t>
+            </a:r>
+            <a:r>
+              <a:rPr kumimoji="0" lang="en-US" altLang="en-US" sz="2000" b="0" i="0" u="none" strike="noStrike" cap="none" normalizeH="0" baseline="0" dirty="0" smtClean="0">
+                <a:ln>
+                  <a:noFill/>
+                </a:ln>
+                <a:solidFill>
+                  <a:srgbClr val="A9B7C6"/>
+                </a:solidFill>
+                <a:effectLst/>
+                <a:latin typeface="Courier New" panose="02070309020205020404" pitchFamily="49" charset="0"/>
+                <a:cs typeface="Courier New" panose="02070309020205020404" pitchFamily="49" charset="0"/>
+              </a:rPr>
+              <a:t>)</a:t>
+            </a:r>
+            <a:endParaRPr kumimoji="0" lang="en-US" altLang="en-US" sz="4800" b="0" i="0" u="none" strike="noStrike" cap="none" normalizeH="0" baseline="0" dirty="0" smtClean="0">
+              <a:ln>
+                <a:noFill/>
+              </a:ln>
+              <a:solidFill>
+                <a:schemeClr val="tx1"/>
+              </a:solidFill>
+              <a:effectLst/>
+              <a:latin typeface="Arial" panose="020B0604020202020204" pitchFamily="34" charset="0"/>
+            </a:endParaRPr>
+          </a:p>
+        </p:txBody>
+      </p:sp>
+      <p:sp>
+        <p:nvSpPr>
+          <p:cNvPr id="9" name="Rectangle 3"/>
+          <p:cNvSpPr>
+            <a:spLocks noChangeArrowheads="1"/>
+          </p:cNvSpPr>
+          <p:nvPr/>
+        </p:nvSpPr>
+        <p:spPr bwMode="auto">
+          <a:xfrm>
+            <a:off x="7167282" y="2469584"/>
+            <a:ext cx="4326218" cy="707886"/>
+          </a:xfrm>
+          <a:prstGeom prst="rect">
+            <a:avLst/>
+          </a:prstGeom>
+          <a:solidFill>
+            <a:srgbClr val="2B2B2B"/>
+          </a:solidFill>
+          <a:ln>
+            <a:noFill/>
+          </a:ln>
+          <a:effectLst/>
+          <a:extLst>
+            <a:ext uri="{91240B29-F687-4F45-9708-019B960494DF}">
+              <a14:hiddenLine xmlns:a14="http://schemas.microsoft.com/office/drawing/2010/main" w="9525">
+                <a:solidFill>
+                  <a:schemeClr val="tx1"/>
+                </a:solidFill>
+                <a:miter lim="800000"/>
+                <a:headEnd/>
+                <a:tailEnd/>
+              </a14:hiddenLine>
+            </a:ext>
+            <a:ext uri="{AF507438-7753-43E0-B8FC-AC1667EBCBE1}">
+              <a14:hiddenEffects xmlns:a14="http://schemas.microsoft.com/office/drawing/2010/main">
+                <a:effectLst>
+                  <a:outerShdw dist="35921" dir="2700000" algn="ctr" rotWithShape="0">
+                    <a:schemeClr val="bg2"/>
+                  </a:outerShdw>
+                </a:effectLst>
+              </a14:hiddenEffects>
+            </a:ext>
+          </a:extLst>
+        </p:spPr>
+        <p:txBody>
+          <a:bodyPr vert="horz" wrap="square" lIns="91440" tIns="45720" rIns="91440" bIns="45720" numCol="1" anchor="ctr" anchorCtr="0" compatLnSpc="1">
+            <a:prstTxWarp prst="textNoShape">
+              <a:avLst/>
+            </a:prstTxWarp>
+            <a:spAutoFit/>
+          </a:bodyPr>
+          <a:lstStyle/>
+          <a:p>
+            <a:pPr marL="0" marR="0" lvl="0" indent="0" algn="l" defTabSz="914400" rtl="0" eaLnBrk="0" fontAlgn="base" latinLnBrk="0" hangingPunct="0">
+              <a:lnSpc>
+                <a:spcPct val="100000"/>
+              </a:lnSpc>
+              <a:spcBef>
+                <a:spcPct val="0"/>
+              </a:spcBef>
+              <a:spcAft>
+                <a:spcPct val="0"/>
+              </a:spcAft>
+              <a:buClrTx/>
+              <a:buSzTx/>
+              <a:buFontTx/>
+              <a:buNone/>
+              <a:tabLst/>
+            </a:pPr>
+            <a:r>
+              <a:rPr kumimoji="0" lang="en-US" altLang="en-US" sz="2000" b="0" i="0" u="none" strike="noStrike" cap="none" normalizeH="0" baseline="0" dirty="0" smtClean="0">
+                <a:ln>
+                  <a:noFill/>
+                </a:ln>
+                <a:solidFill>
+                  <a:srgbClr val="CC7832"/>
+                </a:solidFill>
+                <a:effectLst/>
+                <a:latin typeface="Courier New" panose="02070309020205020404" pitchFamily="49" charset="0"/>
+                <a:cs typeface="Courier New" panose="02070309020205020404" pitchFamily="49" charset="0"/>
+              </a:rPr>
+              <a:t>for</a:t>
+            </a:r>
+            <a:r>
+              <a:rPr kumimoji="0" lang="en-US" altLang="en-US" sz="2000" b="0" i="0" u="none" strike="noStrike" cap="none" normalizeH="0" baseline="0" dirty="0" smtClean="0">
+                <a:ln>
+                  <a:noFill/>
+                </a:ln>
+                <a:solidFill>
+                  <a:srgbClr val="A9B7C6"/>
+                </a:solidFill>
+                <a:effectLst/>
+                <a:latin typeface="Courier New" panose="02070309020205020404" pitchFamily="49" charset="0"/>
+                <a:cs typeface="Courier New" panose="02070309020205020404" pitchFamily="49" charset="0"/>
+              </a:rPr>
+              <a:t>(</a:t>
+            </a:r>
+            <a:r>
+              <a:rPr kumimoji="0" lang="en-US" altLang="en-US" sz="2000" b="0" i="0" u="none" strike="noStrike" cap="none" normalizeH="0" baseline="0" dirty="0" err="1" smtClean="0">
+                <a:ln>
+                  <a:noFill/>
+                </a:ln>
+                <a:solidFill>
+                  <a:srgbClr val="CC7832"/>
+                </a:solidFill>
+                <a:effectLst/>
+                <a:latin typeface="Courier New" panose="02070309020205020404" pitchFamily="49" charset="0"/>
+                <a:cs typeface="Courier New" panose="02070309020205020404" pitchFamily="49" charset="0"/>
+              </a:rPr>
+              <a:t>int</a:t>
+            </a:r>
+            <a:r>
+              <a:rPr kumimoji="0" lang="en-US" altLang="en-US" sz="2000" b="0" i="0" u="none" strike="noStrike" cap="none" normalizeH="0" baseline="0" dirty="0" smtClean="0">
+                <a:ln>
+                  <a:noFill/>
+                </a:ln>
+                <a:solidFill>
+                  <a:srgbClr val="CC7832"/>
+                </a:solidFill>
+                <a:effectLst/>
+                <a:latin typeface="Courier New" panose="02070309020205020404" pitchFamily="49" charset="0"/>
+                <a:cs typeface="Courier New" panose="02070309020205020404" pitchFamily="49" charset="0"/>
+              </a:rPr>
+              <a:t> </a:t>
+            </a:r>
+            <a:r>
+              <a:rPr kumimoji="0" lang="en-US" altLang="en-US" sz="2000" b="0" i="0" u="none" strike="noStrike" cap="none" normalizeH="0" baseline="0" dirty="0" err="1" smtClean="0">
+                <a:ln>
+                  <a:noFill/>
+                </a:ln>
+                <a:solidFill>
+                  <a:srgbClr val="A9B7C6"/>
+                </a:solidFill>
+                <a:effectLst/>
+                <a:latin typeface="Courier New" panose="02070309020205020404" pitchFamily="49" charset="0"/>
+                <a:cs typeface="Courier New" panose="02070309020205020404" pitchFamily="49" charset="0"/>
+              </a:rPr>
+              <a:t>i</a:t>
+            </a:r>
+            <a:r>
+              <a:rPr kumimoji="0" lang="en-US" altLang="en-US" sz="2000" b="0" i="0" u="none" strike="noStrike" cap="none" normalizeH="0" baseline="0" dirty="0" smtClean="0">
+                <a:ln>
+                  <a:noFill/>
+                </a:ln>
+                <a:solidFill>
+                  <a:srgbClr val="A9B7C6"/>
+                </a:solidFill>
+                <a:effectLst/>
+                <a:latin typeface="Courier New" panose="02070309020205020404" pitchFamily="49" charset="0"/>
+                <a:cs typeface="Courier New" panose="02070309020205020404" pitchFamily="49" charset="0"/>
+              </a:rPr>
+              <a:t> = </a:t>
+            </a:r>
+            <a:r>
+              <a:rPr kumimoji="0" lang="en-US" altLang="en-US" sz="2000" b="0" i="0" u="none" strike="noStrike" cap="none" normalizeH="0" baseline="0" dirty="0" smtClean="0">
+                <a:ln>
+                  <a:noFill/>
+                </a:ln>
+                <a:solidFill>
+                  <a:srgbClr val="6897BB"/>
+                </a:solidFill>
+                <a:effectLst/>
+                <a:latin typeface="Courier New" panose="02070309020205020404" pitchFamily="49" charset="0"/>
+                <a:cs typeface="Courier New" panose="02070309020205020404" pitchFamily="49" charset="0"/>
+              </a:rPr>
+              <a:t>4</a:t>
+            </a:r>
+            <a:r>
+              <a:rPr kumimoji="0" lang="en-US" altLang="en-US" sz="2000" b="0" i="0" u="none" strike="noStrike" cap="none" normalizeH="0" baseline="0" dirty="0" smtClean="0">
+                <a:ln>
+                  <a:noFill/>
+                </a:ln>
+                <a:solidFill>
+                  <a:srgbClr val="CC7832"/>
+                </a:solidFill>
+                <a:effectLst/>
+                <a:latin typeface="Courier New" panose="02070309020205020404" pitchFamily="49" charset="0"/>
+                <a:cs typeface="Courier New" panose="02070309020205020404" pitchFamily="49" charset="0"/>
+              </a:rPr>
+              <a:t>; </a:t>
+            </a:r>
+            <a:r>
+              <a:rPr kumimoji="0" lang="en-US" altLang="en-US" sz="2000" b="0" i="0" u="none" strike="noStrike" cap="none" normalizeH="0" baseline="0" dirty="0" err="1" smtClean="0">
+                <a:ln>
+                  <a:noFill/>
+                </a:ln>
+                <a:solidFill>
+                  <a:srgbClr val="A9B7C6"/>
+                </a:solidFill>
+                <a:effectLst/>
+                <a:latin typeface="Courier New" panose="02070309020205020404" pitchFamily="49" charset="0"/>
+                <a:cs typeface="Courier New" panose="02070309020205020404" pitchFamily="49" charset="0"/>
+              </a:rPr>
+              <a:t>i</a:t>
+            </a:r>
+            <a:r>
+              <a:rPr kumimoji="0" lang="en-US" altLang="en-US" sz="2000" b="0" i="0" u="none" strike="noStrike" cap="none" normalizeH="0" baseline="0" dirty="0" smtClean="0">
+                <a:ln>
+                  <a:noFill/>
+                </a:ln>
+                <a:solidFill>
+                  <a:srgbClr val="A9B7C6"/>
+                </a:solidFill>
+                <a:effectLst/>
+                <a:latin typeface="Courier New" panose="02070309020205020404" pitchFamily="49" charset="0"/>
+                <a:cs typeface="Courier New" panose="02070309020205020404" pitchFamily="49" charset="0"/>
+              </a:rPr>
+              <a:t> &lt; </a:t>
+            </a:r>
+            <a:r>
+              <a:rPr kumimoji="0" lang="en-US" altLang="en-US" sz="2000" b="0" i="0" u="none" strike="noStrike" cap="none" normalizeH="0" baseline="0" dirty="0" smtClean="0">
+                <a:ln>
+                  <a:noFill/>
+                </a:ln>
+                <a:solidFill>
+                  <a:srgbClr val="6897BB"/>
+                </a:solidFill>
+                <a:effectLst/>
+                <a:latin typeface="Courier New" panose="02070309020205020404" pitchFamily="49" charset="0"/>
+                <a:cs typeface="Courier New" panose="02070309020205020404" pitchFamily="49" charset="0"/>
+              </a:rPr>
+              <a:t>4</a:t>
+            </a:r>
+            <a:r>
+              <a:rPr kumimoji="0" lang="en-US" altLang="en-US" sz="2000" b="0" i="0" u="none" strike="noStrike" cap="none" normalizeH="0" baseline="0" dirty="0" smtClean="0">
+                <a:ln>
+                  <a:noFill/>
+                </a:ln>
+                <a:solidFill>
+                  <a:srgbClr val="CC7832"/>
+                </a:solidFill>
+                <a:effectLst/>
+                <a:latin typeface="Courier New" panose="02070309020205020404" pitchFamily="49" charset="0"/>
+                <a:cs typeface="Courier New" panose="02070309020205020404" pitchFamily="49" charset="0"/>
+              </a:rPr>
+              <a:t>; </a:t>
+            </a:r>
+            <a:r>
+              <a:rPr kumimoji="0" lang="en-US" altLang="en-US" sz="2000" b="0" i="0" u="none" strike="noStrike" cap="none" normalizeH="0" baseline="0" dirty="0" err="1" smtClean="0">
+                <a:ln>
+                  <a:noFill/>
+                </a:ln>
+                <a:solidFill>
+                  <a:srgbClr val="A9B7C6"/>
+                </a:solidFill>
+                <a:effectLst/>
+                <a:latin typeface="Courier New" panose="02070309020205020404" pitchFamily="49" charset="0"/>
+                <a:cs typeface="Courier New" panose="02070309020205020404" pitchFamily="49" charset="0"/>
+              </a:rPr>
+              <a:t>i</a:t>
+            </a:r>
+            <a:r>
+              <a:rPr kumimoji="0" lang="en-US" altLang="en-US" sz="2000" b="0" i="0" u="none" strike="noStrike" cap="none" normalizeH="0" baseline="0" dirty="0" smtClean="0">
+                <a:ln>
+                  <a:noFill/>
+                </a:ln>
+                <a:solidFill>
+                  <a:srgbClr val="A9B7C6"/>
+                </a:solidFill>
+                <a:effectLst/>
+                <a:latin typeface="Courier New" panose="02070309020205020404" pitchFamily="49" charset="0"/>
+                <a:cs typeface="Courier New" panose="02070309020205020404" pitchFamily="49" charset="0"/>
+              </a:rPr>
+              <a:t>++)</a:t>
+            </a:r>
+            <a:br>
+              <a:rPr kumimoji="0" lang="en-US" altLang="en-US" sz="2000" b="0" i="0" u="none" strike="noStrike" cap="none" normalizeH="0" baseline="0" dirty="0" smtClean="0">
+                <a:ln>
+                  <a:noFill/>
+                </a:ln>
+                <a:solidFill>
+                  <a:srgbClr val="A9B7C6"/>
+                </a:solidFill>
+                <a:effectLst/>
+                <a:latin typeface="Courier New" panose="02070309020205020404" pitchFamily="49" charset="0"/>
+                <a:cs typeface="Courier New" panose="02070309020205020404" pitchFamily="49" charset="0"/>
+              </a:rPr>
+            </a:br>
+            <a:r>
+              <a:rPr kumimoji="0" lang="en-US" altLang="en-US" sz="2000" b="0" i="0" u="none" strike="noStrike" cap="none" normalizeH="0" baseline="0" dirty="0" smtClean="0">
+                <a:ln>
+                  <a:noFill/>
+                </a:ln>
+                <a:solidFill>
+                  <a:srgbClr val="A9B7C6"/>
+                </a:solidFill>
+                <a:effectLst/>
+                <a:latin typeface="Courier New" panose="02070309020205020404" pitchFamily="49" charset="0"/>
+                <a:cs typeface="Courier New" panose="02070309020205020404" pitchFamily="49" charset="0"/>
+              </a:rPr>
+              <a:t>    </a:t>
+            </a:r>
+            <a:r>
+              <a:rPr kumimoji="0" lang="en-US" altLang="en-US" sz="2000" b="0" i="0" u="none" strike="noStrike" cap="none" normalizeH="0" baseline="0" dirty="0" err="1" smtClean="0">
+                <a:ln>
+                  <a:noFill/>
+                </a:ln>
+                <a:solidFill>
+                  <a:srgbClr val="A9B7C6"/>
+                </a:solidFill>
+                <a:effectLst/>
+                <a:latin typeface="Courier New" panose="02070309020205020404" pitchFamily="49" charset="0"/>
+                <a:cs typeface="Courier New" panose="02070309020205020404" pitchFamily="49" charset="0"/>
+              </a:rPr>
+              <a:t>System.</a:t>
+            </a:r>
+            <a:r>
+              <a:rPr kumimoji="0" lang="en-US" altLang="en-US" sz="2000" b="0" i="1" u="none" strike="noStrike" cap="none" normalizeH="0" baseline="0" dirty="0" err="1" smtClean="0">
+                <a:ln>
+                  <a:noFill/>
+                </a:ln>
+                <a:solidFill>
+                  <a:srgbClr val="9876AA"/>
+                </a:solidFill>
+                <a:effectLst/>
+                <a:latin typeface="Courier New" panose="02070309020205020404" pitchFamily="49" charset="0"/>
+                <a:cs typeface="Courier New" panose="02070309020205020404" pitchFamily="49" charset="0"/>
+              </a:rPr>
+              <a:t>out</a:t>
+            </a:r>
+            <a:r>
+              <a:rPr kumimoji="0" lang="en-US" altLang="en-US" sz="2000" b="0" i="0" u="none" strike="noStrike" cap="none" normalizeH="0" baseline="0" dirty="0" err="1" smtClean="0">
+                <a:ln>
+                  <a:noFill/>
+                </a:ln>
+                <a:solidFill>
+                  <a:srgbClr val="A9B7C6"/>
+                </a:solidFill>
+                <a:effectLst/>
+                <a:latin typeface="Courier New" panose="02070309020205020404" pitchFamily="49" charset="0"/>
+                <a:cs typeface="Courier New" panose="02070309020205020404" pitchFamily="49" charset="0"/>
+              </a:rPr>
+              <a:t>.println</a:t>
+            </a:r>
+            <a:r>
+              <a:rPr kumimoji="0" lang="en-US" altLang="en-US" sz="2000" b="0" i="0" u="none" strike="noStrike" cap="none" normalizeH="0" baseline="0" dirty="0" smtClean="0">
+                <a:ln>
+                  <a:noFill/>
+                </a:ln>
+                <a:solidFill>
+                  <a:srgbClr val="A9B7C6"/>
+                </a:solidFill>
+                <a:effectLst/>
+                <a:latin typeface="Courier New" panose="02070309020205020404" pitchFamily="49" charset="0"/>
+                <a:cs typeface="Courier New" panose="02070309020205020404" pitchFamily="49" charset="0"/>
+              </a:rPr>
+              <a:t>(</a:t>
+            </a:r>
+            <a:r>
+              <a:rPr kumimoji="0" lang="en-US" altLang="en-US" sz="2000" b="0" i="0" u="none" strike="noStrike" cap="none" normalizeH="0" baseline="0" dirty="0" err="1" smtClean="0">
+                <a:ln>
+                  <a:noFill/>
+                </a:ln>
+                <a:solidFill>
+                  <a:srgbClr val="A9B7C6"/>
+                </a:solidFill>
+                <a:effectLst/>
+                <a:latin typeface="Courier New" panose="02070309020205020404" pitchFamily="49" charset="0"/>
+                <a:cs typeface="Courier New" panose="02070309020205020404" pitchFamily="49" charset="0"/>
+              </a:rPr>
+              <a:t>i</a:t>
+            </a:r>
+            <a:r>
+              <a:rPr kumimoji="0" lang="en-US" altLang="en-US" sz="2000" b="0" i="0" u="none" strike="noStrike" cap="none" normalizeH="0" baseline="0" dirty="0" smtClean="0">
+                <a:ln>
+                  <a:noFill/>
+                </a:ln>
+                <a:solidFill>
+                  <a:srgbClr val="A9B7C6"/>
+                </a:solidFill>
+                <a:effectLst/>
+                <a:latin typeface="Courier New" panose="02070309020205020404" pitchFamily="49" charset="0"/>
+                <a:cs typeface="Courier New" panose="02070309020205020404" pitchFamily="49" charset="0"/>
+              </a:rPr>
+              <a:t>)</a:t>
+            </a:r>
+            <a:r>
+              <a:rPr kumimoji="0" lang="en-US" altLang="en-US" sz="2000" b="0" i="0" u="none" strike="noStrike" cap="none" normalizeH="0" baseline="0" dirty="0" smtClean="0">
+                <a:ln>
+                  <a:noFill/>
+                </a:ln>
+                <a:solidFill>
+                  <a:srgbClr val="CC7832"/>
+                </a:solidFill>
+                <a:effectLst/>
+                <a:latin typeface="Courier New" panose="02070309020205020404" pitchFamily="49" charset="0"/>
+                <a:cs typeface="Courier New" panose="02070309020205020404" pitchFamily="49" charset="0"/>
+              </a:rPr>
+              <a:t>;</a:t>
+            </a:r>
+            <a:endParaRPr kumimoji="0" lang="en-US" altLang="en-US" sz="2000" b="0" i="0" u="none" strike="noStrike" cap="none" normalizeH="0" baseline="0" dirty="0" smtClean="0">
+              <a:ln>
+                <a:noFill/>
+              </a:ln>
+              <a:solidFill>
+                <a:schemeClr val="tx1"/>
+              </a:solidFill>
+              <a:effectLst/>
+              <a:latin typeface="Arial" panose="020B0604020202020204" pitchFamily="34" charset="0"/>
+            </a:endParaRPr>
+          </a:p>
+        </p:txBody>
+      </p:sp>
+    </p:spTree>
+    <p:extLst>
+      <p:ext uri="{BB962C8B-B14F-4D97-AF65-F5344CB8AC3E}">
+        <p14:creationId xmlns:p14="http://schemas.microsoft.com/office/powerpoint/2010/main" val="1579347975"/>
+      </p:ext>
+    </p:extLst>
+  </p:cSld>
+  <p:clrMapOvr>
+    <a:masterClrMapping/>
+  </p:clrMapOvr>
+</p:sld>
+</file>
+
+<file path=ppt/slides/slide7.xml><?xml version="1.0" encoding="utf-8"?>
+<p:sld xmlns:a="http://schemas.openxmlformats.org/drawingml/2006/main" xmlns:r="http://schemas.openxmlformats.org/officeDocument/2006/relationships" xmlns:p="http://schemas.openxmlformats.org/presentationml/2006/main">
+  <p:cSld>
+    <p:spTree>
+      <p:nvGrpSpPr>
+        <p:cNvPr id="1" name=""/>
+        <p:cNvGrpSpPr/>
+        <p:nvPr/>
+      </p:nvGrpSpPr>
+      <p:grpSpPr>
+        <a:xfrm>
+          <a:off x="0" y="0"/>
+          <a:ext cx="0" cy="0"/>
+          <a:chOff x="0" y="0"/>
+          <a:chExt cx="0" cy="0"/>
+        </a:xfrm>
+      </p:grpSpPr>
+      <p:sp>
+        <p:nvSpPr>
+          <p:cNvPr id="2" name="Title 1"/>
+          <p:cNvSpPr>
+            <a:spLocks noGrp="1"/>
+          </p:cNvSpPr>
+          <p:nvPr>
+            <p:ph type="title"/>
+          </p:nvPr>
+        </p:nvSpPr>
+        <p:spPr/>
+        <p:txBody>
+          <a:bodyPr/>
+          <a:lstStyle/>
+          <a:p>
+            <a:r>
+              <a:rPr lang="en-US" dirty="0" err="1" smtClean="0"/>
+              <a:t>Upis</a:t>
+            </a:r>
+            <a:r>
+              <a:rPr lang="en-US" dirty="0" smtClean="0"/>
+              <a:t> u </a:t>
+            </a:r>
+            <a:r>
+              <a:rPr lang="en-US" dirty="0" err="1" smtClean="0"/>
+              <a:t>tekstualni</a:t>
+            </a:r>
+            <a:r>
+              <a:rPr lang="en-US" dirty="0" smtClean="0"/>
+              <a:t> file</a:t>
+            </a:r>
+            <a:endParaRPr lang="en-US" dirty="0"/>
+          </a:p>
+        </p:txBody>
+      </p:sp>
+      <p:sp>
+        <p:nvSpPr>
+          <p:cNvPr id="6" name="Rectangle 2"/>
+          <p:cNvSpPr>
+            <a:spLocks noGrp="1" noChangeArrowheads="1"/>
+          </p:cNvSpPr>
+          <p:nvPr>
+            <p:ph idx="1"/>
+          </p:nvPr>
+        </p:nvSpPr>
+        <p:spPr bwMode="auto">
+          <a:xfrm>
+            <a:off x="684212" y="1893272"/>
+            <a:ext cx="9586279" cy="1200329"/>
+          </a:xfrm>
+          <a:prstGeom prst="rect">
+            <a:avLst/>
+          </a:prstGeom>
+          <a:solidFill>
+            <a:srgbClr val="2B2B2B"/>
+          </a:solidFill>
+          <a:ln>
+            <a:noFill/>
+          </a:ln>
+          <a:effectLst/>
+          <a:extLst>
+            <a:ext uri="{91240B29-F687-4F45-9708-019B960494DF}">
+              <a14:hiddenLine xmlns:a14="http://schemas.microsoft.com/office/drawing/2010/main" w="9525">
+                <a:solidFill>
+                  <a:schemeClr val="tx1"/>
+                </a:solidFill>
+                <a:miter lim="800000"/>
+                <a:headEnd/>
+                <a:tailEnd/>
+              </a14:hiddenLine>
+            </a:ext>
+            <a:ext uri="{AF507438-7753-43E0-B8FC-AC1667EBCBE1}">
+              <a14:hiddenEffects xmlns:a14="http://schemas.microsoft.com/office/drawing/2010/main">
+                <a:effectLst>
+                  <a:outerShdw dist="35921" dir="2700000" algn="ctr" rotWithShape="0">
+                    <a:schemeClr val="bg2"/>
+                  </a:outerShdw>
+                </a:effectLst>
+              </a14:hiddenEffects>
+            </a:ext>
+          </a:extLst>
+        </p:spPr>
+        <p:txBody>
+          <a:bodyPr vert="horz" wrap="none" lIns="91440" tIns="45720" rIns="91440" bIns="45720" numCol="1" anchor="ctr" anchorCtr="0" compatLnSpc="1">
+            <a:prstTxWarp prst="textNoShape">
+              <a:avLst/>
+            </a:prstTxWarp>
+            <a:spAutoFit/>
+          </a:bodyPr>
+          <a:lstStyle/>
+          <a:p>
+            <a:pPr marL="0" marR="0" lvl="0" indent="0" algn="l" defTabSz="914400" rtl="0" eaLnBrk="0" fontAlgn="base" latinLnBrk="0" hangingPunct="0">
+              <a:lnSpc>
+                <a:spcPct val="100000"/>
+              </a:lnSpc>
+              <a:spcBef>
+                <a:spcPct val="0"/>
+              </a:spcBef>
+              <a:spcAft>
+                <a:spcPct val="0"/>
+              </a:spcAft>
+              <a:buClrTx/>
+              <a:buSzTx/>
+              <a:buFontTx/>
+              <a:buNone/>
+              <a:tabLst/>
+            </a:pPr>
+            <a:r>
+              <a:rPr kumimoji="0" lang="en-US" altLang="en-US" sz="2400" b="0" i="0" u="none" strike="noStrike" cap="none" normalizeH="0" baseline="0" dirty="0" err="1" smtClean="0">
+                <a:ln>
+                  <a:noFill/>
+                </a:ln>
+                <a:solidFill>
+                  <a:srgbClr val="A9B7C6"/>
+                </a:solidFill>
+                <a:effectLst/>
+                <a:latin typeface="Courier New" panose="02070309020205020404" pitchFamily="49" charset="0"/>
+                <a:cs typeface="Courier New" panose="02070309020205020404" pitchFamily="49" charset="0"/>
+              </a:rPr>
+              <a:t>fh</a:t>
+            </a:r>
+            <a:r>
+              <a:rPr kumimoji="0" lang="en-US" altLang="en-US" sz="2400" b="0" i="0" u="none" strike="noStrike" cap="none" normalizeH="0" baseline="0" dirty="0" smtClean="0">
+                <a:ln>
+                  <a:noFill/>
+                </a:ln>
+                <a:solidFill>
+                  <a:srgbClr val="A9B7C6"/>
+                </a:solidFill>
+                <a:effectLst/>
+                <a:latin typeface="Courier New" panose="02070309020205020404" pitchFamily="49" charset="0"/>
+                <a:cs typeface="Courier New" panose="02070309020205020404" pitchFamily="49" charset="0"/>
+              </a:rPr>
+              <a:t> = </a:t>
+            </a:r>
+            <a:r>
+              <a:rPr kumimoji="0" lang="en-US" altLang="en-US" sz="2400" b="0" i="0" u="none" strike="noStrike" cap="none" normalizeH="0" baseline="0" dirty="0" smtClean="0">
+                <a:ln>
+                  <a:noFill/>
+                </a:ln>
+                <a:solidFill>
+                  <a:srgbClr val="8888C6"/>
+                </a:solidFill>
+                <a:effectLst/>
+                <a:latin typeface="Courier New" panose="02070309020205020404" pitchFamily="49" charset="0"/>
+                <a:cs typeface="Courier New" panose="02070309020205020404" pitchFamily="49" charset="0"/>
+              </a:rPr>
+              <a:t>open</a:t>
+            </a:r>
+            <a:r>
+              <a:rPr kumimoji="0" lang="en-US" altLang="en-US" sz="2400" b="0" i="0" u="none" strike="noStrike" cap="none" normalizeH="0" baseline="0" dirty="0" smtClean="0">
+                <a:ln>
+                  <a:noFill/>
+                </a:ln>
+                <a:solidFill>
+                  <a:srgbClr val="A9B7C6"/>
+                </a:solidFill>
+                <a:effectLst/>
+                <a:latin typeface="Courier New" panose="02070309020205020404" pitchFamily="49" charset="0"/>
+                <a:cs typeface="Courier New" panose="02070309020205020404" pitchFamily="49" charset="0"/>
+              </a:rPr>
+              <a:t>(</a:t>
+            </a:r>
+            <a:r>
+              <a:rPr kumimoji="0" lang="en-US" altLang="en-US" sz="2400" b="0" i="0" u="none" strike="noStrike" cap="none" normalizeH="0" baseline="0" dirty="0" smtClean="0">
+                <a:ln>
+                  <a:noFill/>
+                </a:ln>
+                <a:solidFill>
+                  <a:srgbClr val="6A8759"/>
+                </a:solidFill>
+                <a:effectLst/>
+                <a:latin typeface="Courier New" panose="02070309020205020404" pitchFamily="49" charset="0"/>
+                <a:cs typeface="Courier New" panose="02070309020205020404" pitchFamily="49" charset="0"/>
+              </a:rPr>
+              <a:t>"</a:t>
+            </a:r>
+            <a:r>
+              <a:rPr kumimoji="0" lang="en-US" altLang="en-US" sz="2400" b="0" i="0" u="none" strike="noStrike" cap="none" normalizeH="0" baseline="0" dirty="0" err="1" smtClean="0">
+                <a:ln>
+                  <a:noFill/>
+                </a:ln>
+                <a:solidFill>
+                  <a:srgbClr val="6A8759"/>
+                </a:solidFill>
+                <a:effectLst/>
+                <a:latin typeface="Courier New" panose="02070309020205020404" pitchFamily="49" charset="0"/>
+                <a:cs typeface="Courier New" panose="02070309020205020404" pitchFamily="49" charset="0"/>
+              </a:rPr>
+              <a:t>data.txt"</a:t>
+            </a:r>
+            <a:r>
+              <a:rPr kumimoji="0" lang="en-US" altLang="en-US" sz="2400" b="0" i="0" u="none" strike="noStrike" cap="none" normalizeH="0" baseline="0" dirty="0" err="1" smtClean="0">
+                <a:ln>
+                  <a:noFill/>
+                </a:ln>
+                <a:solidFill>
+                  <a:srgbClr val="CC7832"/>
+                </a:solidFill>
+                <a:effectLst/>
+                <a:latin typeface="Courier New" panose="02070309020205020404" pitchFamily="49" charset="0"/>
+                <a:cs typeface="Courier New" panose="02070309020205020404" pitchFamily="49" charset="0"/>
+              </a:rPr>
+              <a:t>,</a:t>
+            </a:r>
+            <a:r>
+              <a:rPr kumimoji="0" lang="en-US" altLang="en-US" sz="2400" b="0" i="0" u="none" strike="noStrike" cap="none" normalizeH="0" baseline="0" dirty="0" err="1" smtClean="0">
+                <a:ln>
+                  <a:noFill/>
+                </a:ln>
+                <a:solidFill>
+                  <a:srgbClr val="6A8759"/>
+                </a:solidFill>
+                <a:effectLst/>
+                <a:latin typeface="Courier New" panose="02070309020205020404" pitchFamily="49" charset="0"/>
+                <a:cs typeface="Courier New" panose="02070309020205020404" pitchFamily="49" charset="0"/>
+              </a:rPr>
+              <a:t>"w</a:t>
+            </a:r>
+            <a:r>
+              <a:rPr kumimoji="0" lang="en-US" altLang="en-US" sz="2400" b="0" i="0" u="none" strike="noStrike" cap="none" normalizeH="0" baseline="0" dirty="0" smtClean="0">
+                <a:ln>
+                  <a:noFill/>
+                </a:ln>
+                <a:solidFill>
+                  <a:srgbClr val="6A8759"/>
+                </a:solidFill>
+                <a:effectLst/>
+                <a:latin typeface="Courier New" panose="02070309020205020404" pitchFamily="49" charset="0"/>
+                <a:cs typeface="Courier New" panose="02070309020205020404" pitchFamily="49" charset="0"/>
+              </a:rPr>
+              <a:t>"</a:t>
+            </a:r>
+            <a:r>
+              <a:rPr kumimoji="0" lang="en-US" altLang="en-US" sz="2400" b="0" i="0" u="none" strike="noStrike" cap="none" normalizeH="0" baseline="0" dirty="0" smtClean="0">
+                <a:ln>
+                  <a:noFill/>
+                </a:ln>
+                <a:solidFill>
+                  <a:srgbClr val="A9B7C6"/>
+                </a:solidFill>
+                <a:effectLst/>
+                <a:latin typeface="Courier New" panose="02070309020205020404" pitchFamily="49" charset="0"/>
+                <a:cs typeface="Courier New" panose="02070309020205020404" pitchFamily="49" charset="0"/>
+              </a:rPr>
+              <a:t>)</a:t>
+            </a:r>
+            <a:br>
+              <a:rPr kumimoji="0" lang="en-US" altLang="en-US" sz="2400" b="0" i="0" u="none" strike="noStrike" cap="none" normalizeH="0" baseline="0" dirty="0" smtClean="0">
+                <a:ln>
+                  <a:noFill/>
+                </a:ln>
+                <a:solidFill>
+                  <a:srgbClr val="A9B7C6"/>
+                </a:solidFill>
+                <a:effectLst/>
+                <a:latin typeface="Courier New" panose="02070309020205020404" pitchFamily="49" charset="0"/>
+                <a:cs typeface="Courier New" panose="02070309020205020404" pitchFamily="49" charset="0"/>
+              </a:rPr>
+            </a:br>
+            <a:r>
+              <a:rPr kumimoji="0" lang="en-US" altLang="en-US" sz="2400" b="0" i="0" u="none" strike="noStrike" cap="none" normalizeH="0" baseline="0" dirty="0" smtClean="0">
+                <a:ln>
+                  <a:noFill/>
+                </a:ln>
+                <a:solidFill>
+                  <a:srgbClr val="8888C6"/>
+                </a:solidFill>
+                <a:effectLst/>
+                <a:latin typeface="Courier New" panose="02070309020205020404" pitchFamily="49" charset="0"/>
+                <a:cs typeface="Courier New" panose="02070309020205020404" pitchFamily="49" charset="0"/>
+              </a:rPr>
+              <a:t>print</a:t>
+            </a:r>
+            <a:r>
+              <a:rPr kumimoji="0" lang="en-US" altLang="en-US" sz="2400" b="0" i="0" u="none" strike="noStrike" cap="none" normalizeH="0" baseline="0" dirty="0" smtClean="0">
+                <a:ln>
+                  <a:noFill/>
+                </a:ln>
+                <a:solidFill>
+                  <a:srgbClr val="A9B7C6"/>
+                </a:solidFill>
+                <a:effectLst/>
+                <a:latin typeface="Courier New" panose="02070309020205020404" pitchFamily="49" charset="0"/>
+                <a:cs typeface="Courier New" panose="02070309020205020404" pitchFamily="49" charset="0"/>
+              </a:rPr>
+              <a:t>(</a:t>
+            </a:r>
+            <a:r>
+              <a:rPr kumimoji="0" lang="en-US" altLang="en-US" sz="2400" b="0" i="0" u="none" strike="noStrike" cap="none" normalizeH="0" baseline="0" dirty="0" smtClean="0">
+                <a:ln>
+                  <a:noFill/>
+                </a:ln>
+                <a:solidFill>
+                  <a:srgbClr val="6A8759"/>
+                </a:solidFill>
+                <a:effectLst/>
+                <a:latin typeface="Courier New" panose="02070309020205020404" pitchFamily="49" charset="0"/>
+                <a:cs typeface="Courier New" panose="02070309020205020404" pitchFamily="49" charset="0"/>
+              </a:rPr>
+              <a:t>"</a:t>
+            </a:r>
+            <a:r>
+              <a:rPr kumimoji="0" lang="en-US" altLang="en-US" sz="2400" b="0" i="0" u="none" strike="noStrike" cap="none" normalizeH="0" baseline="0" dirty="0" err="1" smtClean="0">
+                <a:ln>
+                  <a:noFill/>
+                </a:ln>
+                <a:solidFill>
+                  <a:srgbClr val="6A8759"/>
+                </a:solidFill>
+                <a:effectLst/>
+                <a:latin typeface="Courier New" panose="02070309020205020404" pitchFamily="49" charset="0"/>
+                <a:cs typeface="Courier New" panose="02070309020205020404" pitchFamily="49" charset="0"/>
+              </a:rPr>
+              <a:t>Neki</a:t>
+            </a:r>
+            <a:r>
+              <a:rPr kumimoji="0" lang="en-US" altLang="en-US" sz="2400" b="0" i="0" u="none" strike="noStrike" cap="none" normalizeH="0" baseline="0" dirty="0" smtClean="0">
+                <a:ln>
+                  <a:noFill/>
+                </a:ln>
+                <a:solidFill>
+                  <a:srgbClr val="6A8759"/>
+                </a:solidFill>
+                <a:effectLst/>
+                <a:latin typeface="Courier New" panose="02070309020205020404" pitchFamily="49" charset="0"/>
+                <a:cs typeface="Courier New" panose="02070309020205020404" pitchFamily="49" charset="0"/>
+              </a:rPr>
+              <a:t> </a:t>
+            </a:r>
+            <a:r>
+              <a:rPr kumimoji="0" lang="en-US" altLang="en-US" sz="2400" b="0" i="0" u="none" strike="noStrike" cap="none" normalizeH="0" baseline="0" dirty="0" err="1" smtClean="0">
+                <a:ln>
+                  <a:noFill/>
+                </a:ln>
+                <a:solidFill>
+                  <a:srgbClr val="6A8759"/>
+                </a:solidFill>
+                <a:effectLst/>
+                <a:latin typeface="Courier New" panose="02070309020205020404" pitchFamily="49" charset="0"/>
+                <a:cs typeface="Courier New" panose="02070309020205020404" pitchFamily="49" charset="0"/>
+              </a:rPr>
+              <a:t>tekst</a:t>
+            </a:r>
+            <a:r>
+              <a:rPr kumimoji="0" lang="en-US" altLang="en-US" sz="2400" b="0" i="0" u="none" strike="noStrike" cap="none" normalizeH="0" baseline="0" dirty="0" smtClean="0">
+                <a:ln>
+                  <a:noFill/>
+                </a:ln>
+                <a:solidFill>
+                  <a:srgbClr val="6A8759"/>
+                </a:solidFill>
+                <a:effectLst/>
+                <a:latin typeface="Courier New" panose="02070309020205020404" pitchFamily="49" charset="0"/>
+                <a:cs typeface="Courier New" panose="02070309020205020404" pitchFamily="49" charset="0"/>
+              </a:rPr>
+              <a:t> </a:t>
+            </a:r>
+            <a:r>
+              <a:rPr kumimoji="0" lang="en-US" altLang="en-US" sz="2400" b="0" i="0" u="none" strike="noStrike" cap="none" normalizeH="0" baseline="0" dirty="0" err="1" smtClean="0">
+                <a:ln>
+                  <a:noFill/>
+                </a:ln>
+                <a:solidFill>
+                  <a:srgbClr val="6A8759"/>
+                </a:solidFill>
+                <a:effectLst/>
+                <a:latin typeface="Courier New" panose="02070309020205020404" pitchFamily="49" charset="0"/>
+                <a:cs typeface="Courier New" panose="02070309020205020404" pitchFamily="49" charset="0"/>
+              </a:rPr>
+              <a:t>koji</a:t>
+            </a:r>
+            <a:r>
+              <a:rPr kumimoji="0" lang="en-US" altLang="en-US" sz="2400" b="0" i="0" u="none" strike="noStrike" cap="none" normalizeH="0" baseline="0" dirty="0" smtClean="0">
+                <a:ln>
+                  <a:noFill/>
+                </a:ln>
+                <a:solidFill>
+                  <a:srgbClr val="6A8759"/>
+                </a:solidFill>
+                <a:effectLst/>
+                <a:latin typeface="Courier New" panose="02070309020205020404" pitchFamily="49" charset="0"/>
+                <a:cs typeface="Courier New" panose="02070309020205020404" pitchFamily="49" charset="0"/>
+              </a:rPr>
+              <a:t> se </a:t>
+            </a:r>
+            <a:r>
+              <a:rPr kumimoji="0" lang="en-US" altLang="en-US" sz="2400" b="0" i="0" u="none" strike="noStrike" cap="none" normalizeH="0" baseline="0" dirty="0" err="1" smtClean="0">
+                <a:ln>
+                  <a:noFill/>
+                </a:ln>
+                <a:solidFill>
+                  <a:srgbClr val="6A8759"/>
+                </a:solidFill>
+                <a:effectLst/>
+                <a:latin typeface="Courier New" panose="02070309020205020404" pitchFamily="49" charset="0"/>
+                <a:cs typeface="Courier New" panose="02070309020205020404" pitchFamily="49" charset="0"/>
+              </a:rPr>
+              <a:t>upisuje</a:t>
+            </a:r>
+            <a:r>
+              <a:rPr kumimoji="0" lang="en-US" altLang="en-US" sz="2400" b="0" i="0" u="none" strike="noStrike" cap="none" normalizeH="0" baseline="0" dirty="0" smtClean="0">
+                <a:ln>
+                  <a:noFill/>
+                </a:ln>
+                <a:solidFill>
+                  <a:srgbClr val="6A8759"/>
+                </a:solidFill>
+                <a:effectLst/>
+                <a:latin typeface="Courier New" panose="02070309020205020404" pitchFamily="49" charset="0"/>
+                <a:cs typeface="Courier New" panose="02070309020205020404" pitchFamily="49" charset="0"/>
+              </a:rPr>
+              <a:t> u file"</a:t>
+            </a:r>
+            <a:r>
+              <a:rPr kumimoji="0" lang="en-US" altLang="en-US" sz="2400" b="0" i="0" u="none" strike="noStrike" cap="none" normalizeH="0" baseline="0" dirty="0" smtClean="0">
+                <a:ln>
+                  <a:noFill/>
+                </a:ln>
+                <a:solidFill>
+                  <a:srgbClr val="CC7832"/>
+                </a:solidFill>
+                <a:effectLst/>
+                <a:latin typeface="Courier New" panose="02070309020205020404" pitchFamily="49" charset="0"/>
+                <a:cs typeface="Courier New" panose="02070309020205020404" pitchFamily="49" charset="0"/>
+              </a:rPr>
+              <a:t>, </a:t>
+            </a:r>
+            <a:r>
+              <a:rPr kumimoji="0" lang="en-US" altLang="en-US" sz="2400" b="0" i="0" u="none" strike="noStrike" cap="none" normalizeH="0" baseline="0" dirty="0" smtClean="0">
+                <a:ln>
+                  <a:noFill/>
+                </a:ln>
+                <a:solidFill>
+                  <a:srgbClr val="AA4926"/>
+                </a:solidFill>
+                <a:effectLst/>
+                <a:latin typeface="Courier New" panose="02070309020205020404" pitchFamily="49" charset="0"/>
+                <a:cs typeface="Courier New" panose="02070309020205020404" pitchFamily="49" charset="0"/>
+              </a:rPr>
+              <a:t>file</a:t>
+            </a:r>
+            <a:r>
+              <a:rPr kumimoji="0" lang="en-US" altLang="en-US" sz="2400" b="0" i="0" u="none" strike="noStrike" cap="none" normalizeH="0" baseline="0" dirty="0" smtClean="0">
+                <a:ln>
+                  <a:noFill/>
+                </a:ln>
+                <a:solidFill>
+                  <a:srgbClr val="A9B7C6"/>
+                </a:solidFill>
+                <a:effectLst/>
+                <a:latin typeface="Courier New" panose="02070309020205020404" pitchFamily="49" charset="0"/>
+                <a:cs typeface="Courier New" panose="02070309020205020404" pitchFamily="49" charset="0"/>
+              </a:rPr>
+              <a:t>=</a:t>
+            </a:r>
+            <a:r>
+              <a:rPr kumimoji="0" lang="en-US" altLang="en-US" sz="2400" b="0" i="0" u="none" strike="noStrike" cap="none" normalizeH="0" baseline="0" dirty="0" err="1" smtClean="0">
+                <a:ln>
+                  <a:noFill/>
+                </a:ln>
+                <a:solidFill>
+                  <a:srgbClr val="A9B7C6"/>
+                </a:solidFill>
+                <a:effectLst/>
+                <a:latin typeface="Courier New" panose="02070309020205020404" pitchFamily="49" charset="0"/>
+                <a:cs typeface="Courier New" panose="02070309020205020404" pitchFamily="49" charset="0"/>
+              </a:rPr>
+              <a:t>fh</a:t>
+            </a:r>
+            <a:r>
+              <a:rPr kumimoji="0" lang="en-US" altLang="en-US" sz="2400" b="0" i="0" u="none" strike="noStrike" cap="none" normalizeH="0" baseline="0" dirty="0" smtClean="0">
+                <a:ln>
+                  <a:noFill/>
+                </a:ln>
+                <a:solidFill>
+                  <a:srgbClr val="A9B7C6"/>
+                </a:solidFill>
+                <a:effectLst/>
+                <a:latin typeface="Courier New" panose="02070309020205020404" pitchFamily="49" charset="0"/>
+                <a:cs typeface="Courier New" panose="02070309020205020404" pitchFamily="49" charset="0"/>
+              </a:rPr>
+              <a:t>)</a:t>
+            </a:r>
+            <a:br>
+              <a:rPr kumimoji="0" lang="en-US" altLang="en-US" sz="2400" b="0" i="0" u="none" strike="noStrike" cap="none" normalizeH="0" baseline="0" dirty="0" smtClean="0">
+                <a:ln>
+                  <a:noFill/>
+                </a:ln>
+                <a:solidFill>
+                  <a:srgbClr val="A9B7C6"/>
+                </a:solidFill>
+                <a:effectLst/>
+                <a:latin typeface="Courier New" panose="02070309020205020404" pitchFamily="49" charset="0"/>
+                <a:cs typeface="Courier New" panose="02070309020205020404" pitchFamily="49" charset="0"/>
+              </a:rPr>
+            </a:br>
+            <a:r>
+              <a:rPr kumimoji="0" lang="en-US" altLang="en-US" sz="2400" b="0" i="0" u="none" strike="noStrike" cap="none" normalizeH="0" baseline="0" dirty="0" err="1" smtClean="0">
+                <a:ln>
+                  <a:noFill/>
+                </a:ln>
+                <a:solidFill>
+                  <a:srgbClr val="A9B7C6"/>
+                </a:solidFill>
+                <a:effectLst/>
+                <a:latin typeface="Courier New" panose="02070309020205020404" pitchFamily="49" charset="0"/>
+                <a:cs typeface="Courier New" panose="02070309020205020404" pitchFamily="49" charset="0"/>
+              </a:rPr>
+              <a:t>fh.close</a:t>
+            </a:r>
+            <a:r>
+              <a:rPr kumimoji="0" lang="en-US" altLang="en-US" sz="2400" b="0" i="0" u="none" strike="noStrike" cap="none" normalizeH="0" baseline="0" dirty="0" smtClean="0">
+                <a:ln>
+                  <a:noFill/>
+                </a:ln>
+                <a:solidFill>
+                  <a:srgbClr val="A9B7C6"/>
+                </a:solidFill>
+                <a:effectLst/>
+                <a:latin typeface="Courier New" panose="02070309020205020404" pitchFamily="49" charset="0"/>
+                <a:cs typeface="Courier New" panose="02070309020205020404" pitchFamily="49" charset="0"/>
+              </a:rPr>
+              <a:t>()</a:t>
+            </a:r>
+            <a:endParaRPr kumimoji="0" lang="en-US" altLang="en-US" sz="5400" b="0" i="0" u="none" strike="noStrike" cap="none" normalizeH="0" baseline="0" dirty="0" smtClean="0">
+              <a:ln>
+                <a:noFill/>
+              </a:ln>
+              <a:solidFill>
+                <a:schemeClr val="tx1"/>
+              </a:solidFill>
+              <a:effectLst/>
+              <a:latin typeface="Arial" panose="020B0604020202020204" pitchFamily="34" charset="0"/>
+            </a:endParaRPr>
+          </a:p>
+        </p:txBody>
+      </p:sp>
+    </p:spTree>
+    <p:extLst>
+      <p:ext uri="{BB962C8B-B14F-4D97-AF65-F5344CB8AC3E}">
+        <p14:creationId xmlns:p14="http://schemas.microsoft.com/office/powerpoint/2010/main" val="781385373"/>
+      </p:ext>
+    </p:extLst>
+  </p:cSld>
+  <p:clrMapOvr>
+    <a:masterClrMapping/>
+  </p:clrMapOvr>
+</p:sld>
+</file>
+
+<file path=ppt/slides/slide8.xml><?xml version="1.0" encoding="utf-8"?>
+<p:sld xmlns:a="http://schemas.openxmlformats.org/drawingml/2006/main" xmlns:r="http://schemas.openxmlformats.org/officeDocument/2006/relationships" xmlns:p="http://schemas.openxmlformats.org/presentationml/2006/main">
+  <p:cSld>
+    <p:spTree>
+      <p:nvGrpSpPr>
+        <p:cNvPr id="1" name=""/>
+        <p:cNvGrpSpPr/>
+        <p:nvPr/>
+      </p:nvGrpSpPr>
+      <p:grpSpPr>
+        <a:xfrm>
+          <a:off x="0" y="0"/>
+          <a:ext cx="0" cy="0"/>
+          <a:chOff x="0" y="0"/>
+          <a:chExt cx="0" cy="0"/>
+        </a:xfrm>
+      </p:grpSpPr>
+      <p:sp>
+        <p:nvSpPr>
+          <p:cNvPr id="2" name="Title 1"/>
+          <p:cNvSpPr>
+            <a:spLocks noGrp="1"/>
+          </p:cNvSpPr>
+          <p:nvPr>
+            <p:ph type="title"/>
+          </p:nvPr>
+        </p:nvSpPr>
+        <p:spPr/>
+        <p:txBody>
+          <a:bodyPr/>
+          <a:lstStyle/>
+          <a:p>
+            <a:r>
+              <a:rPr lang="en-US" dirty="0" err="1" smtClean="0"/>
+              <a:t>Liste</a:t>
+            </a:r>
+            <a:endParaRPr lang="en-US" dirty="0"/>
+          </a:p>
+        </p:txBody>
+      </p:sp>
+      <p:graphicFrame>
+        <p:nvGraphicFramePr>
+          <p:cNvPr id="4" name="Content Placeholder 3"/>
+          <p:cNvGraphicFramePr>
+            <a:graphicFrameLocks noGrp="1"/>
+          </p:cNvGraphicFramePr>
+          <p:nvPr>
+            <p:ph idx="1"/>
+            <p:extLst>
+              <p:ext uri="{D42A27DB-BD31-4B8C-83A1-F6EECF244321}">
+                <p14:modId xmlns:p14="http://schemas.microsoft.com/office/powerpoint/2010/main" val="646124931"/>
+              </p:ext>
+            </p:extLst>
+          </p:nvPr>
+        </p:nvGraphicFramePr>
+        <p:xfrm>
+          <a:off x="684213" y="685800"/>
+          <a:ext cx="8534400" cy="2494280"/>
+        </p:xfrm>
+        <a:graphic>
+          <a:graphicData uri="http://schemas.openxmlformats.org/drawingml/2006/table">
+            <a:tbl>
+              <a:tblPr firstRow="1" bandRow="1">
+                <a:tableStyleId>{5C22544A-7EE6-4342-B048-85BDC9FD1C3A}</a:tableStyleId>
+              </a:tblPr>
+              <a:tblGrid>
+                <a:gridCol w="4267200">
+                  <a:extLst>
+                    <a:ext uri="{9D8B030D-6E8A-4147-A177-3AD203B41FA5}">
+                      <a16:colId xmlns:a16="http://schemas.microsoft.com/office/drawing/2014/main" val="2073255604"/>
+                    </a:ext>
+                  </a:extLst>
+                </a:gridCol>
+                <a:gridCol w="4267200">
+                  <a:extLst>
+                    <a:ext uri="{9D8B030D-6E8A-4147-A177-3AD203B41FA5}">
+                      <a16:colId xmlns:a16="http://schemas.microsoft.com/office/drawing/2014/main" val="3912921674"/>
+                    </a:ext>
+                  </a:extLst>
+                </a:gridCol>
+              </a:tblGrid>
+              <a:tr h="370840">
+                <a:tc>
+                  <a:txBody>
+                    <a:bodyPr/>
+                    <a:lstStyle/>
+                    <a:p>
+                      <a:endParaRPr lang="en-US" dirty="0"/>
+                    </a:p>
+                  </a:txBody>
+                  <a:tcPr/>
+                </a:tc>
+                <a:tc>
+                  <a:txBody>
+                    <a:bodyPr/>
+                    <a:lstStyle/>
+                    <a:p>
+                      <a:endParaRPr lang="en-US"/>
+                    </a:p>
+                  </a:txBody>
+                  <a:tcPr/>
+                </a:tc>
+                <a:extLst>
+                  <a:ext uri="{0D108BD9-81ED-4DB2-BD59-A6C34878D82A}">
+                    <a16:rowId xmlns:a16="http://schemas.microsoft.com/office/drawing/2014/main" val="486860439"/>
+                  </a:ext>
+                </a:extLst>
+              </a:tr>
+              <a:tr h="370840">
+                <a:tc>
+                  <a:txBody>
+                    <a:bodyPr/>
+                    <a:lstStyle/>
+                    <a:p>
+                      <a:r>
+                        <a:rPr lang="en-US" sz="1800" b="0" i="0" u="none" strike="noStrike" kern="1200" baseline="0" dirty="0" smtClean="0">
+                          <a:solidFill>
+                            <a:schemeClr val="dk1"/>
+                          </a:solidFill>
+                          <a:latin typeface="+mn-lt"/>
+                          <a:ea typeface="+mn-ea"/>
+                          <a:cs typeface="+mn-cs"/>
+                        </a:rPr>
+                        <a:t>bikes = ['trek', 'redline', 'giant'] 	</a:t>
+                      </a:r>
+                    </a:p>
+                  </a:txBody>
+                  <a:tcPr/>
+                </a:tc>
+                <a:tc>
+                  <a:txBody>
+                    <a:bodyPr/>
+                    <a:lstStyle/>
+                    <a:p>
+                      <a:pPr algn="ctr"/>
+                      <a:r>
+                        <a:rPr lang="en-US" dirty="0" err="1" smtClean="0"/>
+                        <a:t>Napravi</a:t>
+                      </a:r>
+                      <a:r>
+                        <a:rPr lang="en-US" dirty="0" smtClean="0"/>
+                        <a:t> </a:t>
+                      </a:r>
+                      <a:r>
+                        <a:rPr lang="en-US" dirty="0" err="1" smtClean="0"/>
+                        <a:t>listu</a:t>
+                      </a:r>
+                      <a:endParaRPr lang="en-US" dirty="0"/>
+                    </a:p>
+                  </a:txBody>
+                  <a:tcPr/>
+                </a:tc>
+                <a:extLst>
+                  <a:ext uri="{0D108BD9-81ED-4DB2-BD59-A6C34878D82A}">
+                    <a16:rowId xmlns:a16="http://schemas.microsoft.com/office/drawing/2014/main" val="3571341403"/>
+                  </a:ext>
+                </a:extLst>
+              </a:tr>
+              <a:tr h="370840">
+                <a:tc>
+                  <a:txBody>
+                    <a:bodyPr/>
+                    <a:lstStyle/>
+                    <a:p>
+                      <a:r>
+                        <a:rPr lang="en-US" sz="1800" b="0" i="0" u="none" strike="noStrike" kern="1200" baseline="0" dirty="0" err="1" smtClean="0">
+                          <a:solidFill>
+                            <a:schemeClr val="dk1"/>
+                          </a:solidFill>
+                          <a:latin typeface="+mn-lt"/>
+                          <a:ea typeface="+mn-ea"/>
+                          <a:cs typeface="+mn-cs"/>
+                        </a:rPr>
+                        <a:t>first_bike</a:t>
+                      </a:r>
+                      <a:r>
+                        <a:rPr lang="en-US" sz="1800" b="0" i="0" u="none" strike="noStrike" kern="1200" baseline="0" dirty="0" smtClean="0">
+                          <a:solidFill>
+                            <a:schemeClr val="dk1"/>
+                          </a:solidFill>
+                          <a:latin typeface="+mn-lt"/>
+                          <a:ea typeface="+mn-ea"/>
+                          <a:cs typeface="+mn-cs"/>
+                        </a:rPr>
+                        <a:t> = bikes[0] 	</a:t>
+                      </a:r>
+                    </a:p>
+                  </a:txBody>
+                  <a:tcPr/>
+                </a:tc>
+                <a:tc>
+                  <a:txBody>
+                    <a:bodyPr/>
+                    <a:lstStyle/>
+                    <a:p>
+                      <a:pPr algn="ctr"/>
+                      <a:r>
+                        <a:rPr lang="en-US" dirty="0" err="1" smtClean="0"/>
+                        <a:t>Prvi</a:t>
+                      </a:r>
+                      <a:r>
+                        <a:rPr lang="en-US" baseline="0" dirty="0" smtClean="0"/>
+                        <a:t> clan u </a:t>
+                      </a:r>
+                      <a:r>
+                        <a:rPr lang="en-US" baseline="0" dirty="0" err="1" smtClean="0"/>
+                        <a:t>listi</a:t>
+                      </a:r>
+                      <a:endParaRPr lang="en-US" dirty="0"/>
+                    </a:p>
+                  </a:txBody>
+                  <a:tcPr/>
+                </a:tc>
+                <a:extLst>
+                  <a:ext uri="{0D108BD9-81ED-4DB2-BD59-A6C34878D82A}">
+                    <a16:rowId xmlns:a16="http://schemas.microsoft.com/office/drawing/2014/main" val="1885192336"/>
+                  </a:ext>
+                </a:extLst>
+              </a:tr>
+              <a:tr h="370840">
+                <a:tc>
+                  <a:txBody>
+                    <a:bodyPr/>
+                    <a:lstStyle/>
+                    <a:p>
+                      <a:r>
+                        <a:rPr lang="en-US" sz="1800" b="0" i="0" u="none" strike="noStrike" kern="1200" baseline="0" dirty="0" err="1" smtClean="0">
+                          <a:solidFill>
+                            <a:schemeClr val="dk1"/>
+                          </a:solidFill>
+                          <a:latin typeface="+mn-lt"/>
+                          <a:ea typeface="+mn-ea"/>
+                          <a:cs typeface="+mn-cs"/>
+                        </a:rPr>
+                        <a:t>last_bike</a:t>
+                      </a:r>
+                      <a:r>
+                        <a:rPr lang="en-US" sz="1800" b="0" i="0" u="none" strike="noStrike" kern="1200" baseline="0" dirty="0" smtClean="0">
+                          <a:solidFill>
+                            <a:schemeClr val="dk1"/>
+                          </a:solidFill>
+                          <a:latin typeface="+mn-lt"/>
+                          <a:ea typeface="+mn-ea"/>
+                          <a:cs typeface="+mn-cs"/>
+                        </a:rPr>
+                        <a:t> = bikes[-1] 	</a:t>
+                      </a:r>
+                    </a:p>
+                  </a:txBody>
+                  <a:tcPr/>
+                </a:tc>
+                <a:tc>
+                  <a:txBody>
+                    <a:bodyPr/>
+                    <a:lstStyle/>
+                    <a:p>
+                      <a:pPr algn="ctr"/>
+                      <a:r>
+                        <a:rPr lang="en-US" dirty="0" err="1" smtClean="0"/>
+                        <a:t>Poslednji</a:t>
+                      </a:r>
+                      <a:r>
+                        <a:rPr lang="en-US" dirty="0" smtClean="0"/>
+                        <a:t> clan u </a:t>
+                      </a:r>
+                      <a:r>
+                        <a:rPr lang="en-US" dirty="0" err="1" smtClean="0"/>
+                        <a:t>listi</a:t>
+                      </a:r>
+                      <a:endParaRPr lang="en-US" dirty="0"/>
+                    </a:p>
+                  </a:txBody>
+                  <a:tcPr/>
+                </a:tc>
+                <a:extLst>
+                  <a:ext uri="{0D108BD9-81ED-4DB2-BD59-A6C34878D82A}">
+                    <a16:rowId xmlns:a16="http://schemas.microsoft.com/office/drawing/2014/main" val="3117236315"/>
+                  </a:ext>
+                </a:extLst>
+              </a:tr>
+              <a:tr h="370840">
+                <a:tc>
+                  <a:txBody>
+                    <a:bodyPr/>
+                    <a:lstStyle/>
+                    <a:p>
+                      <a:r>
+                        <a:rPr lang="en-US" sz="1800" b="0" i="0" u="none" strike="noStrike" kern="1200" baseline="0" dirty="0" smtClean="0">
+                          <a:solidFill>
+                            <a:schemeClr val="dk1"/>
+                          </a:solidFill>
+                          <a:latin typeface="+mn-lt"/>
+                          <a:ea typeface="+mn-ea"/>
+                          <a:cs typeface="+mn-cs"/>
+                        </a:rPr>
+                        <a:t>for bike in bikes: </a:t>
+                      </a:r>
+                    </a:p>
+                    <a:p>
+                      <a:r>
+                        <a:rPr lang="en-US" sz="1800" b="0" i="0" u="none" strike="noStrike" kern="1200" baseline="0" dirty="0" smtClean="0">
+                          <a:solidFill>
+                            <a:schemeClr val="dk1"/>
+                          </a:solidFill>
+                          <a:latin typeface="+mn-lt"/>
+                          <a:ea typeface="+mn-ea"/>
+                          <a:cs typeface="+mn-cs"/>
+                        </a:rPr>
+                        <a:t>  print(bike)</a:t>
+                      </a:r>
+                    </a:p>
+                  </a:txBody>
+                  <a:tcPr/>
+                </a:tc>
+                <a:tc>
+                  <a:txBody>
+                    <a:bodyPr/>
+                    <a:lstStyle/>
+                    <a:p>
+                      <a:pPr algn="ctr"/>
+                      <a:r>
+                        <a:rPr lang="en-US" dirty="0" err="1" smtClean="0"/>
+                        <a:t>Prolazak</a:t>
+                      </a:r>
+                      <a:r>
+                        <a:rPr lang="en-US" dirty="0" smtClean="0"/>
+                        <a:t> </a:t>
+                      </a:r>
+                      <a:r>
+                        <a:rPr lang="en-US" dirty="0" err="1" smtClean="0"/>
+                        <a:t>kroz</a:t>
+                      </a:r>
+                      <a:r>
+                        <a:rPr lang="en-US" dirty="0" smtClean="0"/>
+                        <a:t> </a:t>
+                      </a:r>
+                      <a:r>
+                        <a:rPr lang="en-US" dirty="0" err="1" smtClean="0"/>
+                        <a:t>listu</a:t>
+                      </a:r>
+                      <a:endParaRPr lang="en-US" dirty="0"/>
+                    </a:p>
+                  </a:txBody>
+                  <a:tcPr/>
+                </a:tc>
+                <a:extLst>
+                  <a:ext uri="{0D108BD9-81ED-4DB2-BD59-A6C34878D82A}">
+                    <a16:rowId xmlns:a16="http://schemas.microsoft.com/office/drawing/2014/main" val="408559179"/>
+                  </a:ext>
+                </a:extLst>
+              </a:tr>
+              <a:tr h="370840">
+                <a:tc>
+                  <a:txBody>
+                    <a:bodyPr/>
+                    <a:lstStyle/>
+                    <a:p>
+                      <a:endParaRPr lang="en-US" dirty="0"/>
+                    </a:p>
+                  </a:txBody>
+                  <a:tcPr/>
+                </a:tc>
+                <a:tc>
+                  <a:txBody>
+                    <a:bodyPr/>
+                    <a:lstStyle/>
+                    <a:p>
+                      <a:pPr algn="ctr"/>
+                      <a:endParaRPr lang="en-US" dirty="0"/>
+                    </a:p>
+                  </a:txBody>
+                  <a:tcPr/>
+                </a:tc>
+                <a:extLst>
+                  <a:ext uri="{0D108BD9-81ED-4DB2-BD59-A6C34878D82A}">
+                    <a16:rowId xmlns:a16="http://schemas.microsoft.com/office/drawing/2014/main" val="2754517562"/>
+                  </a:ext>
+                </a:extLst>
+              </a:tr>
+            </a:tbl>
+          </a:graphicData>
+        </a:graphic>
+      </p:graphicFrame>
+    </p:spTree>
+    <p:extLst>
+      <p:ext uri="{BB962C8B-B14F-4D97-AF65-F5344CB8AC3E}">
+        <p14:creationId xmlns:p14="http://schemas.microsoft.com/office/powerpoint/2010/main" val="4053197947"/>
       </p:ext>
     </p:extLst>
   </p:cSld>
